--- a/Prezentacja.pptx
+++ b/Prezentacja.pptx
@@ -24,6 +24,10 @@
     <p:sldId id="272" r:id="rId18"/>
     <p:sldId id="273" r:id="rId19"/>
     <p:sldId id="274" r:id="rId20"/>
+    <p:sldId id="277" r:id="rId21"/>
+    <p:sldId id="278" r:id="rId22"/>
+    <p:sldId id="279" r:id="rId23"/>
+    <p:sldId id="280" r:id="rId24"/>
   </p:sldIdLst>
   <p:sldSz cx="12192000" cy="6858000"/>
   <p:notesSz cx="6858000" cy="9144000"/>
@@ -5833,7 +5837,7 @@
           <a:p>
             <a:fld id="{844F4C65-81A9-4BCE-8E42-0A35E075B4F9}" type="datetimeFigureOut">
               <a:rPr lang="pl-PL" smtClean="0"/>
-              <a:t>20.04.2021</a:t>
+              <a:t>27.04.2021</a:t>
             </a:fld>
             <a:endParaRPr lang="pl-PL"/>
           </a:p>
@@ -6247,7 +6251,7 @@
           <a:p>
             <a:fld id="{844F4C65-81A9-4BCE-8E42-0A35E075B4F9}" type="datetimeFigureOut">
               <a:rPr lang="pl-PL" smtClean="0"/>
-              <a:t>20.04.2021</a:t>
+              <a:t>27.04.2021</a:t>
             </a:fld>
             <a:endParaRPr lang="pl-PL"/>
           </a:p>
@@ -6583,7 +6587,7 @@
           <a:p>
             <a:fld id="{844F4C65-81A9-4BCE-8E42-0A35E075B4F9}" type="datetimeFigureOut">
               <a:rPr lang="pl-PL" smtClean="0"/>
-              <a:t>20.04.2021</a:t>
+              <a:t>27.04.2021</a:t>
             </a:fld>
             <a:endParaRPr lang="pl-PL"/>
           </a:p>
@@ -6988,7 +6992,7 @@
           <a:p>
             <a:fld id="{844F4C65-81A9-4BCE-8E42-0A35E075B4F9}" type="datetimeFigureOut">
               <a:rPr lang="pl-PL" smtClean="0"/>
-              <a:t>20.04.2021</a:t>
+              <a:t>27.04.2021</a:t>
             </a:fld>
             <a:endParaRPr lang="pl-PL"/>
           </a:p>
@@ -7556,7 +7560,7 @@
           <a:p>
             <a:fld id="{844F4C65-81A9-4BCE-8E42-0A35E075B4F9}" type="datetimeFigureOut">
               <a:rPr lang="pl-PL" smtClean="0"/>
-              <a:t>20.04.2021</a:t>
+              <a:t>27.04.2021</a:t>
             </a:fld>
             <a:endParaRPr lang="pl-PL"/>
           </a:p>
@@ -8237,7 +8241,7 @@
           <a:p>
             <a:fld id="{844F4C65-81A9-4BCE-8E42-0A35E075B4F9}" type="datetimeFigureOut">
               <a:rPr lang="pl-PL" smtClean="0"/>
-              <a:t>20.04.2021</a:t>
+              <a:t>27.04.2021</a:t>
             </a:fld>
             <a:endParaRPr lang="pl-PL"/>
           </a:p>
@@ -9150,7 +9154,7 @@
           <a:p>
             <a:fld id="{844F4C65-81A9-4BCE-8E42-0A35E075B4F9}" type="datetimeFigureOut">
               <a:rPr lang="pl-PL" smtClean="0"/>
-              <a:t>20.04.2021</a:t>
+              <a:t>27.04.2021</a:t>
             </a:fld>
             <a:endParaRPr lang="pl-PL"/>
           </a:p>
@@ -9463,7 +9467,7 @@
           <a:p>
             <a:fld id="{844F4C65-81A9-4BCE-8E42-0A35E075B4F9}" type="datetimeFigureOut">
               <a:rPr lang="pl-PL" smtClean="0"/>
-              <a:t>20.04.2021</a:t>
+              <a:t>27.04.2021</a:t>
             </a:fld>
             <a:endParaRPr lang="pl-PL"/>
           </a:p>
@@ -9727,7 +9731,7 @@
           <a:p>
             <a:fld id="{844F4C65-81A9-4BCE-8E42-0A35E075B4F9}" type="datetimeFigureOut">
               <a:rPr lang="pl-PL" smtClean="0"/>
-              <a:t>20.04.2021</a:t>
+              <a:t>27.04.2021</a:t>
             </a:fld>
             <a:endParaRPr lang="pl-PL"/>
           </a:p>
@@ -10050,7 +10054,7 @@
           <a:p>
             <a:fld id="{844F4C65-81A9-4BCE-8E42-0A35E075B4F9}" type="datetimeFigureOut">
               <a:rPr lang="pl-PL" smtClean="0"/>
-              <a:t>20.04.2021</a:t>
+              <a:t>27.04.2021</a:t>
             </a:fld>
             <a:endParaRPr lang="pl-PL"/>
           </a:p>
@@ -10439,7 +10443,7 @@
           <a:p>
             <a:fld id="{844F4C65-81A9-4BCE-8E42-0A35E075B4F9}" type="datetimeFigureOut">
               <a:rPr lang="pl-PL" smtClean="0"/>
-              <a:t>20.04.2021</a:t>
+              <a:t>27.04.2021</a:t>
             </a:fld>
             <a:endParaRPr lang="pl-PL"/>
           </a:p>
@@ -10815,7 +10819,7 @@
           <a:p>
             <a:fld id="{844F4C65-81A9-4BCE-8E42-0A35E075B4F9}" type="datetimeFigureOut">
               <a:rPr lang="pl-PL" smtClean="0"/>
-              <a:t>20.04.2021</a:t>
+              <a:t>27.04.2021</a:t>
             </a:fld>
             <a:endParaRPr lang="pl-PL"/>
           </a:p>
@@ -11321,7 +11325,7 @@
           <a:p>
             <a:fld id="{844F4C65-81A9-4BCE-8E42-0A35E075B4F9}" type="datetimeFigureOut">
               <a:rPr lang="pl-PL" smtClean="0"/>
-              <a:t>20.04.2021</a:t>
+              <a:t>27.04.2021</a:t>
             </a:fld>
             <a:endParaRPr lang="pl-PL"/>
           </a:p>
@@ -11578,7 +11582,7 @@
           <a:p>
             <a:fld id="{844F4C65-81A9-4BCE-8E42-0A35E075B4F9}" type="datetimeFigureOut">
               <a:rPr lang="pl-PL" smtClean="0"/>
-              <a:t>20.04.2021</a:t>
+              <a:t>27.04.2021</a:t>
             </a:fld>
             <a:endParaRPr lang="pl-PL"/>
           </a:p>
@@ -11741,7 +11745,7 @@
           <a:p>
             <a:fld id="{844F4C65-81A9-4BCE-8E42-0A35E075B4F9}" type="datetimeFigureOut">
               <a:rPr lang="pl-PL" smtClean="0"/>
-              <a:t>20.04.2021</a:t>
+              <a:t>27.04.2021</a:t>
             </a:fld>
             <a:endParaRPr lang="pl-PL"/>
           </a:p>
@@ -12131,7 +12135,7 @@
           <a:p>
             <a:fld id="{844F4C65-81A9-4BCE-8E42-0A35E075B4F9}" type="datetimeFigureOut">
               <a:rPr lang="pl-PL" smtClean="0"/>
-              <a:t>20.04.2021</a:t>
+              <a:t>27.04.2021</a:t>
             </a:fld>
             <a:endParaRPr lang="pl-PL"/>
           </a:p>
@@ -12540,7 +12544,7 @@
           <a:p>
             <a:fld id="{844F4C65-81A9-4BCE-8E42-0A35E075B4F9}" type="datetimeFigureOut">
               <a:rPr lang="pl-PL" smtClean="0"/>
-              <a:t>20.04.2021</a:t>
+              <a:t>27.04.2021</a:t>
             </a:fld>
             <a:endParaRPr lang="pl-PL"/>
           </a:p>
@@ -12784,7 +12788,7 @@
           <a:p>
             <a:fld id="{844F4C65-81A9-4BCE-8E42-0A35E075B4F9}" type="datetimeFigureOut">
               <a:rPr lang="pl-PL" smtClean="0"/>
-              <a:t>20.04.2021</a:t>
+              <a:t>27.04.2021</a:t>
             </a:fld>
             <a:endParaRPr lang="pl-PL"/>
           </a:p>
@@ -17150,6 +17154,640 @@
     <p:extLst>
       <p:ext uri="{BB962C8B-B14F-4D97-AF65-F5344CB8AC3E}">
         <p14:creationId xmlns:p14="http://schemas.microsoft.com/office/powerpoint/2010/main" val="3558708667"/>
+      </p:ext>
+    </p:extLst>
+  </p:cSld>
+  <p:clrMapOvr>
+    <a:masterClrMapping/>
+  </p:clrMapOvr>
+</p:sld>
+</file>
+
+<file path=ppt/slides/slide20.xml><?xml version="1.0" encoding="utf-8"?>
+<p:sld xmlns:a="http://schemas.openxmlformats.org/drawingml/2006/main" xmlns:r="http://schemas.openxmlformats.org/officeDocument/2006/relationships" xmlns:p="http://schemas.openxmlformats.org/presentationml/2006/main">
+  <p:cSld>
+    <p:spTree>
+      <p:nvGrpSpPr>
+        <p:cNvPr id="1" name=""/>
+        <p:cNvGrpSpPr/>
+        <p:nvPr/>
+      </p:nvGrpSpPr>
+      <p:grpSpPr>
+        <a:xfrm>
+          <a:off x="0" y="0"/>
+          <a:ext cx="0" cy="0"/>
+          <a:chOff x="0" y="0"/>
+          <a:chExt cx="0" cy="0"/>
+        </a:xfrm>
+      </p:grpSpPr>
+      <p:sp>
+        <p:nvSpPr>
+          <p:cNvPr id="2" name="Tytuł 1">
+            <a:extLst>
+              <a:ext uri="{FF2B5EF4-FFF2-40B4-BE49-F238E27FC236}">
+                <a16:creationId xmlns:a16="http://schemas.microsoft.com/office/drawing/2014/main" id="{F08C4F8C-0CCE-4438-BC0A-1EA68054DF91}"/>
+              </a:ext>
+            </a:extLst>
+          </p:cNvPr>
+          <p:cNvSpPr>
+            <a:spLocks noGrp="1"/>
+          </p:cNvSpPr>
+          <p:nvPr>
+            <p:ph type="title"/>
+          </p:nvPr>
+        </p:nvSpPr>
+        <p:spPr/>
+        <p:txBody>
+          <a:bodyPr/>
+          <a:lstStyle/>
+          <a:p>
+            <a:r>
+              <a:rPr lang="pl-PL" dirty="0"/>
+              <a:t>Koszt maszyn i materiału (ofertowy)</a:t>
+            </a:r>
+          </a:p>
+        </p:txBody>
+      </p:sp>
+      <p:pic>
+        <p:nvPicPr>
+          <p:cNvPr id="11" name="Symbol zastępczy zawartości 10">
+            <a:extLst>
+              <a:ext uri="{FF2B5EF4-FFF2-40B4-BE49-F238E27FC236}">
+                <a16:creationId xmlns:a16="http://schemas.microsoft.com/office/drawing/2014/main" id="{59C5ECD3-8411-4A88-8AC1-DD99EBBB8956}"/>
+              </a:ext>
+            </a:extLst>
+          </p:cNvPr>
+          <p:cNvPicPr>
+            <a:picLocks noGrp="1" noChangeAspect="1"/>
+          </p:cNvPicPr>
+          <p:nvPr>
+            <p:ph idx="1"/>
+          </p:nvPr>
+        </p:nvPicPr>
+        <p:blipFill>
+          <a:blip r:embed="rId2">
+            <a:extLst>
+              <a:ext uri="{28A0092B-C50C-407E-A947-70E740481C1C}">
+                <a14:useLocalDpi xmlns:a14="http://schemas.microsoft.com/office/drawing/2010/main" val="0"/>
+              </a:ext>
+            </a:extLst>
+          </a:blip>
+          <a:stretch>
+            <a:fillRect/>
+          </a:stretch>
+        </p:blipFill>
+        <p:spPr>
+          <a:xfrm>
+            <a:off x="297164" y="2150187"/>
+            <a:ext cx="4730731" cy="4577184"/>
+          </a:xfrm>
+        </p:spPr>
+      </p:pic>
+      <p:pic>
+        <p:nvPicPr>
+          <p:cNvPr id="13" name="Obraz 12">
+            <a:extLst>
+              <a:ext uri="{FF2B5EF4-FFF2-40B4-BE49-F238E27FC236}">
+                <a16:creationId xmlns:a16="http://schemas.microsoft.com/office/drawing/2014/main" id="{471B58F1-0D07-4B88-B366-9C15C75AF018}"/>
+              </a:ext>
+            </a:extLst>
+          </p:cNvPr>
+          <p:cNvPicPr>
+            <a:picLocks noChangeAspect="1"/>
+          </p:cNvPicPr>
+          <p:nvPr/>
+        </p:nvPicPr>
+        <p:blipFill>
+          <a:blip r:embed="rId3">
+            <a:extLst>
+              <a:ext uri="{28A0092B-C50C-407E-A947-70E740481C1C}">
+                <a14:useLocalDpi xmlns:a14="http://schemas.microsoft.com/office/drawing/2010/main" val="0"/>
+              </a:ext>
+            </a:extLst>
+          </a:blip>
+          <a:stretch>
+            <a:fillRect/>
+          </a:stretch>
+        </p:blipFill>
+        <p:spPr>
+          <a:xfrm>
+            <a:off x="5880553" y="2084872"/>
+            <a:ext cx="4730731" cy="4707813"/>
+          </a:xfrm>
+          <a:prstGeom prst="rect">
+            <a:avLst/>
+          </a:prstGeom>
+        </p:spPr>
+      </p:pic>
+    </p:spTree>
+    <p:extLst>
+      <p:ext uri="{BB962C8B-B14F-4D97-AF65-F5344CB8AC3E}">
+        <p14:creationId xmlns:p14="http://schemas.microsoft.com/office/powerpoint/2010/main" val="86218617"/>
+      </p:ext>
+    </p:extLst>
+  </p:cSld>
+  <p:clrMapOvr>
+    <a:masterClrMapping/>
+  </p:clrMapOvr>
+</p:sld>
+</file>
+
+<file path=ppt/slides/slide21.xml><?xml version="1.0" encoding="utf-8"?>
+<p:sld xmlns:a="http://schemas.openxmlformats.org/drawingml/2006/main" xmlns:r="http://schemas.openxmlformats.org/officeDocument/2006/relationships" xmlns:p="http://schemas.openxmlformats.org/presentationml/2006/main">
+  <p:cSld>
+    <p:spTree>
+      <p:nvGrpSpPr>
+        <p:cNvPr id="1" name=""/>
+        <p:cNvGrpSpPr/>
+        <p:nvPr/>
+      </p:nvGrpSpPr>
+      <p:grpSpPr>
+        <a:xfrm>
+          <a:off x="0" y="0"/>
+          <a:ext cx="0" cy="0"/>
+          <a:chOff x="0" y="0"/>
+          <a:chExt cx="0" cy="0"/>
+        </a:xfrm>
+      </p:grpSpPr>
+      <p:sp>
+        <p:nvSpPr>
+          <p:cNvPr id="2" name="Tytuł 1">
+            <a:extLst>
+              <a:ext uri="{FF2B5EF4-FFF2-40B4-BE49-F238E27FC236}">
+                <a16:creationId xmlns:a16="http://schemas.microsoft.com/office/drawing/2014/main" id="{5FCAE84B-26D9-4F60-A2DA-5426E980D0E4}"/>
+              </a:ext>
+            </a:extLst>
+          </p:cNvPr>
+          <p:cNvSpPr>
+            <a:spLocks noGrp="1"/>
+          </p:cNvSpPr>
+          <p:nvPr>
+            <p:ph type="title"/>
+          </p:nvPr>
+        </p:nvSpPr>
+        <p:spPr>
+          <a:xfrm>
+            <a:off x="680321" y="753228"/>
+            <a:ext cx="4087621" cy="1080938"/>
+          </a:xfrm>
+        </p:spPr>
+        <p:txBody>
+          <a:bodyPr/>
+          <a:lstStyle/>
+          <a:p>
+            <a:r>
+              <a:rPr lang="pl-PL" dirty="0"/>
+              <a:t>Koszt pracownika</a:t>
+            </a:r>
+          </a:p>
+        </p:txBody>
+      </p:sp>
+      <p:pic>
+        <p:nvPicPr>
+          <p:cNvPr id="5" name="Symbol zastępczy zawartości 4">
+            <a:extLst>
+              <a:ext uri="{FF2B5EF4-FFF2-40B4-BE49-F238E27FC236}">
+                <a16:creationId xmlns:a16="http://schemas.microsoft.com/office/drawing/2014/main" id="{F2F28879-F122-4D8D-AA50-A01600A174CE}"/>
+              </a:ext>
+            </a:extLst>
+          </p:cNvPr>
+          <p:cNvPicPr>
+            <a:picLocks noGrp="1" noChangeAspect="1"/>
+          </p:cNvPicPr>
+          <p:nvPr>
+            <p:ph idx="1"/>
+          </p:nvPr>
+        </p:nvPicPr>
+        <p:blipFill>
+          <a:blip r:embed="rId2">
+            <a:extLst>
+              <a:ext uri="{28A0092B-C50C-407E-A947-70E740481C1C}">
+                <a14:useLocalDpi xmlns:a14="http://schemas.microsoft.com/office/drawing/2010/main" val="0"/>
+              </a:ext>
+            </a:extLst>
+          </a:blip>
+          <a:stretch>
+            <a:fillRect/>
+          </a:stretch>
+        </p:blipFill>
+        <p:spPr>
+          <a:xfrm>
+            <a:off x="554831" y="2187510"/>
+            <a:ext cx="4213111" cy="4496288"/>
+          </a:xfrm>
+        </p:spPr>
+      </p:pic>
+      <p:pic>
+        <p:nvPicPr>
+          <p:cNvPr id="7" name="Obraz 6">
+            <a:extLst>
+              <a:ext uri="{FF2B5EF4-FFF2-40B4-BE49-F238E27FC236}">
+                <a16:creationId xmlns:a16="http://schemas.microsoft.com/office/drawing/2014/main" id="{88640276-1F32-49E2-8217-5D661E013302}"/>
+              </a:ext>
+            </a:extLst>
+          </p:cNvPr>
+          <p:cNvPicPr>
+            <a:picLocks noChangeAspect="1"/>
+          </p:cNvPicPr>
+          <p:nvPr/>
+        </p:nvPicPr>
+        <p:blipFill>
+          <a:blip r:embed="rId3">
+            <a:extLst>
+              <a:ext uri="{28A0092B-C50C-407E-A947-70E740481C1C}">
+                <a14:useLocalDpi xmlns:a14="http://schemas.microsoft.com/office/drawing/2010/main" val="0"/>
+              </a:ext>
+            </a:extLst>
+          </a:blip>
+          <a:stretch>
+            <a:fillRect/>
+          </a:stretch>
+        </p:blipFill>
+        <p:spPr>
+          <a:xfrm>
+            <a:off x="6307493" y="2052735"/>
+            <a:ext cx="3660117" cy="4631063"/>
+          </a:xfrm>
+          <a:prstGeom prst="rect">
+            <a:avLst/>
+          </a:prstGeom>
+        </p:spPr>
+      </p:pic>
+      <p:sp>
+        <p:nvSpPr>
+          <p:cNvPr id="8" name="Tytuł 1">
+            <a:extLst>
+              <a:ext uri="{FF2B5EF4-FFF2-40B4-BE49-F238E27FC236}">
+                <a16:creationId xmlns:a16="http://schemas.microsoft.com/office/drawing/2014/main" id="{D038107F-B050-40A6-AB56-7EF2B505D9F7}"/>
+              </a:ext>
+            </a:extLst>
+          </p:cNvPr>
+          <p:cNvSpPr txBox="1">
+            <a:spLocks/>
+          </p:cNvSpPr>
+          <p:nvPr/>
+        </p:nvSpPr>
+        <p:spPr>
+          <a:xfrm>
+            <a:off x="6216485" y="753228"/>
+            <a:ext cx="4087621" cy="1080938"/>
+          </a:xfrm>
+          <a:prstGeom prst="rect">
+            <a:avLst/>
+          </a:prstGeom>
+        </p:spPr>
+        <p:txBody>
+          <a:bodyPr vert="horz" lIns="91440" tIns="45720" rIns="91440" bIns="45720" rtlCol="0" anchor="ctr">
+            <a:normAutofit/>
+          </a:bodyPr>
+          <a:lstStyle>
+            <a:lvl1pPr algn="l" defTabSz="914400" rtl="0" eaLnBrk="1" latinLnBrk="0" hangingPunct="1">
+              <a:lnSpc>
+                <a:spcPct val="90000"/>
+              </a:lnSpc>
+              <a:spcBef>
+                <a:spcPct val="0"/>
+              </a:spcBef>
+              <a:buNone/>
+              <a:defRPr sz="3600" kern="1200">
+                <a:solidFill>
+                  <a:schemeClr val="tx1"/>
+                </a:solidFill>
+                <a:latin typeface="+mj-lt"/>
+                <a:ea typeface="+mj-ea"/>
+                <a:cs typeface="+mj-cs"/>
+              </a:defRPr>
+            </a:lvl1pPr>
+          </a:lstStyle>
+          <a:p>
+            <a:r>
+              <a:rPr lang="pl-PL" dirty="0"/>
+              <a:t>Kosztorys ofertowy</a:t>
+            </a:r>
+          </a:p>
+        </p:txBody>
+      </p:sp>
+    </p:spTree>
+    <p:extLst>
+      <p:ext uri="{BB962C8B-B14F-4D97-AF65-F5344CB8AC3E}">
+        <p14:creationId xmlns:p14="http://schemas.microsoft.com/office/powerpoint/2010/main" val="1076711829"/>
+      </p:ext>
+    </p:extLst>
+  </p:cSld>
+  <p:clrMapOvr>
+    <a:masterClrMapping/>
+  </p:clrMapOvr>
+</p:sld>
+</file>
+
+<file path=ppt/slides/slide22.xml><?xml version="1.0" encoding="utf-8"?>
+<p:sld xmlns:a="http://schemas.openxmlformats.org/drawingml/2006/main" xmlns:r="http://schemas.openxmlformats.org/officeDocument/2006/relationships" xmlns:p="http://schemas.openxmlformats.org/presentationml/2006/main">
+  <p:cSld>
+    <p:spTree>
+      <p:nvGrpSpPr>
+        <p:cNvPr id="1" name=""/>
+        <p:cNvGrpSpPr/>
+        <p:nvPr/>
+      </p:nvGrpSpPr>
+      <p:grpSpPr>
+        <a:xfrm>
+          <a:off x="0" y="0"/>
+          <a:ext cx="0" cy="0"/>
+          <a:chOff x="0" y="0"/>
+          <a:chExt cx="0" cy="0"/>
+        </a:xfrm>
+      </p:grpSpPr>
+      <p:sp>
+        <p:nvSpPr>
+          <p:cNvPr id="2" name="Tytuł 1">
+            <a:extLst>
+              <a:ext uri="{FF2B5EF4-FFF2-40B4-BE49-F238E27FC236}">
+                <a16:creationId xmlns:a16="http://schemas.microsoft.com/office/drawing/2014/main" id="{B5A9FDC3-8BB5-4F7D-B15D-D49036E8B298}"/>
+              </a:ext>
+            </a:extLst>
+          </p:cNvPr>
+          <p:cNvSpPr>
+            <a:spLocks noGrp="1"/>
+          </p:cNvSpPr>
+          <p:nvPr>
+            <p:ph type="title"/>
+          </p:nvPr>
+        </p:nvSpPr>
+        <p:spPr/>
+        <p:txBody>
+          <a:bodyPr/>
+          <a:lstStyle/>
+          <a:p>
+            <a:r>
+              <a:rPr lang="pl-PL" dirty="0"/>
+              <a:t>Koszt maszyn i materiału (powykonawczy)</a:t>
+            </a:r>
+          </a:p>
+        </p:txBody>
+      </p:sp>
+      <p:pic>
+        <p:nvPicPr>
+          <p:cNvPr id="5" name="Symbol zastępczy zawartości 4">
+            <a:extLst>
+              <a:ext uri="{FF2B5EF4-FFF2-40B4-BE49-F238E27FC236}">
+                <a16:creationId xmlns:a16="http://schemas.microsoft.com/office/drawing/2014/main" id="{1C05DDA2-2D60-4718-BD46-5E5C01EF7770}"/>
+              </a:ext>
+            </a:extLst>
+          </p:cNvPr>
+          <p:cNvPicPr>
+            <a:picLocks noGrp="1" noChangeAspect="1"/>
+          </p:cNvPicPr>
+          <p:nvPr>
+            <p:ph idx="1"/>
+          </p:nvPr>
+        </p:nvPicPr>
+        <p:blipFill>
+          <a:blip r:embed="rId2">
+            <a:extLst>
+              <a:ext uri="{28A0092B-C50C-407E-A947-70E740481C1C}">
+                <a14:useLocalDpi xmlns:a14="http://schemas.microsoft.com/office/drawing/2010/main" val="0"/>
+              </a:ext>
+            </a:extLst>
+          </a:blip>
+          <a:stretch>
+            <a:fillRect/>
+          </a:stretch>
+        </p:blipFill>
+        <p:spPr>
+          <a:xfrm>
+            <a:off x="680321" y="2196840"/>
+            <a:ext cx="4603481" cy="4319230"/>
+          </a:xfrm>
+        </p:spPr>
+      </p:pic>
+      <p:pic>
+        <p:nvPicPr>
+          <p:cNvPr id="7" name="Obraz 6">
+            <a:extLst>
+              <a:ext uri="{FF2B5EF4-FFF2-40B4-BE49-F238E27FC236}">
+                <a16:creationId xmlns:a16="http://schemas.microsoft.com/office/drawing/2014/main" id="{47CF0CC5-D76A-433C-B476-27DF65305C80}"/>
+              </a:ext>
+            </a:extLst>
+          </p:cNvPr>
+          <p:cNvPicPr>
+            <a:picLocks noChangeAspect="1"/>
+          </p:cNvPicPr>
+          <p:nvPr/>
+        </p:nvPicPr>
+        <p:blipFill>
+          <a:blip r:embed="rId3">
+            <a:extLst>
+              <a:ext uri="{28A0092B-C50C-407E-A947-70E740481C1C}">
+                <a14:useLocalDpi xmlns:a14="http://schemas.microsoft.com/office/drawing/2010/main" val="0"/>
+              </a:ext>
+            </a:extLst>
+          </a:blip>
+          <a:stretch>
+            <a:fillRect/>
+          </a:stretch>
+        </p:blipFill>
+        <p:spPr>
+          <a:xfrm>
+            <a:off x="6217817" y="2093817"/>
+            <a:ext cx="4243216" cy="4603290"/>
+          </a:xfrm>
+          <a:prstGeom prst="rect">
+            <a:avLst/>
+          </a:prstGeom>
+        </p:spPr>
+      </p:pic>
+    </p:spTree>
+    <p:extLst>
+      <p:ext uri="{BB962C8B-B14F-4D97-AF65-F5344CB8AC3E}">
+        <p14:creationId xmlns:p14="http://schemas.microsoft.com/office/powerpoint/2010/main" val="1422059949"/>
+      </p:ext>
+    </p:extLst>
+  </p:cSld>
+  <p:clrMapOvr>
+    <a:masterClrMapping/>
+  </p:clrMapOvr>
+</p:sld>
+</file>
+
+<file path=ppt/slides/slide23.xml><?xml version="1.0" encoding="utf-8"?>
+<p:sld xmlns:a="http://schemas.openxmlformats.org/drawingml/2006/main" xmlns:r="http://schemas.openxmlformats.org/officeDocument/2006/relationships" xmlns:p="http://schemas.openxmlformats.org/presentationml/2006/main">
+  <p:cSld>
+    <p:spTree>
+      <p:nvGrpSpPr>
+        <p:cNvPr id="1" name=""/>
+        <p:cNvGrpSpPr/>
+        <p:nvPr/>
+      </p:nvGrpSpPr>
+      <p:grpSpPr>
+        <a:xfrm>
+          <a:off x="0" y="0"/>
+          <a:ext cx="0" cy="0"/>
+          <a:chOff x="0" y="0"/>
+          <a:chExt cx="0" cy="0"/>
+        </a:xfrm>
+      </p:grpSpPr>
+      <p:sp>
+        <p:nvSpPr>
+          <p:cNvPr id="2" name="Tytuł 1">
+            <a:extLst>
+              <a:ext uri="{FF2B5EF4-FFF2-40B4-BE49-F238E27FC236}">
+                <a16:creationId xmlns:a16="http://schemas.microsoft.com/office/drawing/2014/main" id="{8DE451F8-69C1-4603-AAD5-C9DFBEFE01BE}"/>
+              </a:ext>
+            </a:extLst>
+          </p:cNvPr>
+          <p:cNvSpPr>
+            <a:spLocks noGrp="1"/>
+          </p:cNvSpPr>
+          <p:nvPr>
+            <p:ph type="title"/>
+          </p:nvPr>
+        </p:nvSpPr>
+        <p:spPr>
+          <a:xfrm>
+            <a:off x="680322" y="753228"/>
+            <a:ext cx="3901010" cy="1080938"/>
+          </a:xfrm>
+        </p:spPr>
+        <p:txBody>
+          <a:bodyPr/>
+          <a:lstStyle/>
+          <a:p>
+            <a:r>
+              <a:rPr lang="pl-PL" dirty="0"/>
+              <a:t>Koszt pracownika</a:t>
+            </a:r>
+          </a:p>
+        </p:txBody>
+      </p:sp>
+      <p:pic>
+        <p:nvPicPr>
+          <p:cNvPr id="5" name="Symbol zastępczy zawartości 4">
+            <a:extLst>
+              <a:ext uri="{FF2B5EF4-FFF2-40B4-BE49-F238E27FC236}">
+                <a16:creationId xmlns:a16="http://schemas.microsoft.com/office/drawing/2014/main" id="{E242FD98-31B2-4F60-8A60-AA685EA7CD2E}"/>
+              </a:ext>
+            </a:extLst>
+          </p:cNvPr>
+          <p:cNvPicPr>
+            <a:picLocks noGrp="1" noChangeAspect="1"/>
+          </p:cNvPicPr>
+          <p:nvPr>
+            <p:ph idx="1"/>
+          </p:nvPr>
+        </p:nvPicPr>
+        <p:blipFill>
+          <a:blip r:embed="rId2">
+            <a:extLst>
+              <a:ext uri="{28A0092B-C50C-407E-A947-70E740481C1C}">
+                <a14:useLocalDpi xmlns:a14="http://schemas.microsoft.com/office/drawing/2010/main" val="0"/>
+              </a:ext>
+            </a:extLst>
+          </a:blip>
+          <a:stretch>
+            <a:fillRect/>
+          </a:stretch>
+        </p:blipFill>
+        <p:spPr>
+          <a:xfrm>
+            <a:off x="575908" y="2117530"/>
+            <a:ext cx="4527935" cy="4514004"/>
+          </a:xfrm>
+        </p:spPr>
+      </p:pic>
+      <p:pic>
+        <p:nvPicPr>
+          <p:cNvPr id="7" name="Obraz 6">
+            <a:extLst>
+              <a:ext uri="{FF2B5EF4-FFF2-40B4-BE49-F238E27FC236}">
+                <a16:creationId xmlns:a16="http://schemas.microsoft.com/office/drawing/2014/main" id="{36B17CA8-DF80-4511-8A08-8C0C8228266E}"/>
+              </a:ext>
+            </a:extLst>
+          </p:cNvPr>
+          <p:cNvPicPr>
+            <a:picLocks noChangeAspect="1"/>
+          </p:cNvPicPr>
+          <p:nvPr/>
+        </p:nvPicPr>
+        <p:blipFill>
+          <a:blip r:embed="rId3">
+            <a:extLst>
+              <a:ext uri="{28A0092B-C50C-407E-A947-70E740481C1C}">
+                <a14:useLocalDpi xmlns:a14="http://schemas.microsoft.com/office/drawing/2010/main" val="0"/>
+              </a:ext>
+            </a:extLst>
+          </a:blip>
+          <a:stretch>
+            <a:fillRect/>
+          </a:stretch>
+        </p:blipFill>
+        <p:spPr>
+          <a:xfrm>
+            <a:off x="6127399" y="2112865"/>
+            <a:ext cx="3660117" cy="4518669"/>
+          </a:xfrm>
+          <a:prstGeom prst="rect">
+            <a:avLst/>
+          </a:prstGeom>
+        </p:spPr>
+      </p:pic>
+      <p:sp>
+        <p:nvSpPr>
+          <p:cNvPr id="8" name="Tytuł 1">
+            <a:extLst>
+              <a:ext uri="{FF2B5EF4-FFF2-40B4-BE49-F238E27FC236}">
+                <a16:creationId xmlns:a16="http://schemas.microsoft.com/office/drawing/2014/main" id="{F66B8D0F-E2D2-4D3C-B4D7-DA35983E9D06}"/>
+              </a:ext>
+            </a:extLst>
+          </p:cNvPr>
+          <p:cNvSpPr txBox="1">
+            <a:spLocks/>
+          </p:cNvSpPr>
+          <p:nvPr/>
+        </p:nvSpPr>
+        <p:spPr>
+          <a:xfrm>
+            <a:off x="6096000" y="753228"/>
+            <a:ext cx="3722916" cy="1080938"/>
+          </a:xfrm>
+          <a:prstGeom prst="rect">
+            <a:avLst/>
+          </a:prstGeom>
+        </p:spPr>
+        <p:txBody>
+          <a:bodyPr vert="horz" lIns="91440" tIns="45720" rIns="91440" bIns="45720" rtlCol="0" anchor="ctr">
+            <a:normAutofit/>
+          </a:bodyPr>
+          <a:lstStyle>
+            <a:lvl1pPr algn="l" defTabSz="914400" rtl="0" eaLnBrk="1" latinLnBrk="0" hangingPunct="1">
+              <a:lnSpc>
+                <a:spcPct val="90000"/>
+              </a:lnSpc>
+              <a:spcBef>
+                <a:spcPct val="0"/>
+              </a:spcBef>
+              <a:buNone/>
+              <a:defRPr sz="3600" kern="1200">
+                <a:solidFill>
+                  <a:schemeClr val="tx1"/>
+                </a:solidFill>
+                <a:latin typeface="+mj-lt"/>
+                <a:ea typeface="+mj-ea"/>
+                <a:cs typeface="+mj-cs"/>
+              </a:defRPr>
+            </a:lvl1pPr>
+          </a:lstStyle>
+          <a:p>
+            <a:r>
+              <a:rPr lang="pl-PL" dirty="0"/>
+              <a:t>Kosztorys powykonawczy</a:t>
+            </a:r>
+          </a:p>
+        </p:txBody>
+      </p:sp>
+    </p:spTree>
+    <p:extLst>
+      <p:ext uri="{BB962C8B-B14F-4D97-AF65-F5344CB8AC3E}">
+        <p14:creationId xmlns:p14="http://schemas.microsoft.com/office/powerpoint/2010/main" val="1240617030"/>
       </p:ext>
     </p:extLst>
   </p:cSld>

--- a/Prezentacja.pptx
+++ b/Prezentacja.pptx
@@ -28,6 +28,13 @@
     <p:sldId id="278" r:id="rId22"/>
     <p:sldId id="279" r:id="rId23"/>
     <p:sldId id="280" r:id="rId24"/>
+    <p:sldId id="281" r:id="rId25"/>
+    <p:sldId id="282" r:id="rId26"/>
+    <p:sldId id="283" r:id="rId27"/>
+    <p:sldId id="284" r:id="rId28"/>
+    <p:sldId id="285" r:id="rId29"/>
+    <p:sldId id="286" r:id="rId30"/>
+    <p:sldId id="287" r:id="rId31"/>
   </p:sldIdLst>
   <p:sldSz cx="12192000" cy="6858000"/>
   <p:notesSz cx="6858000" cy="9144000"/>
@@ -5837,7 +5844,7 @@
           <a:p>
             <a:fld id="{844F4C65-81A9-4BCE-8E42-0A35E075B4F9}" type="datetimeFigureOut">
               <a:rPr lang="pl-PL" smtClean="0"/>
-              <a:t>27.04.2021</a:t>
+              <a:t>27-04-2021</a:t>
             </a:fld>
             <a:endParaRPr lang="pl-PL"/>
           </a:p>
@@ -6251,7 +6258,7 @@
           <a:p>
             <a:fld id="{844F4C65-81A9-4BCE-8E42-0A35E075B4F9}" type="datetimeFigureOut">
               <a:rPr lang="pl-PL" smtClean="0"/>
-              <a:t>27.04.2021</a:t>
+              <a:t>27-04-2021</a:t>
             </a:fld>
             <a:endParaRPr lang="pl-PL"/>
           </a:p>
@@ -6587,7 +6594,7 @@
           <a:p>
             <a:fld id="{844F4C65-81A9-4BCE-8E42-0A35E075B4F9}" type="datetimeFigureOut">
               <a:rPr lang="pl-PL" smtClean="0"/>
-              <a:t>27.04.2021</a:t>
+              <a:t>27-04-2021</a:t>
             </a:fld>
             <a:endParaRPr lang="pl-PL"/>
           </a:p>
@@ -6992,7 +6999,7 @@
           <a:p>
             <a:fld id="{844F4C65-81A9-4BCE-8E42-0A35E075B4F9}" type="datetimeFigureOut">
               <a:rPr lang="pl-PL" smtClean="0"/>
-              <a:t>27.04.2021</a:t>
+              <a:t>27-04-2021</a:t>
             </a:fld>
             <a:endParaRPr lang="pl-PL"/>
           </a:p>
@@ -7560,7 +7567,7 @@
           <a:p>
             <a:fld id="{844F4C65-81A9-4BCE-8E42-0A35E075B4F9}" type="datetimeFigureOut">
               <a:rPr lang="pl-PL" smtClean="0"/>
-              <a:t>27.04.2021</a:t>
+              <a:t>27-04-2021</a:t>
             </a:fld>
             <a:endParaRPr lang="pl-PL"/>
           </a:p>
@@ -8241,7 +8248,7 @@
           <a:p>
             <a:fld id="{844F4C65-81A9-4BCE-8E42-0A35E075B4F9}" type="datetimeFigureOut">
               <a:rPr lang="pl-PL" smtClean="0"/>
-              <a:t>27.04.2021</a:t>
+              <a:t>27-04-2021</a:t>
             </a:fld>
             <a:endParaRPr lang="pl-PL"/>
           </a:p>
@@ -9154,7 +9161,7 @@
           <a:p>
             <a:fld id="{844F4C65-81A9-4BCE-8E42-0A35E075B4F9}" type="datetimeFigureOut">
               <a:rPr lang="pl-PL" smtClean="0"/>
-              <a:t>27.04.2021</a:t>
+              <a:t>27-04-2021</a:t>
             </a:fld>
             <a:endParaRPr lang="pl-PL"/>
           </a:p>
@@ -9467,7 +9474,7 @@
           <a:p>
             <a:fld id="{844F4C65-81A9-4BCE-8E42-0A35E075B4F9}" type="datetimeFigureOut">
               <a:rPr lang="pl-PL" smtClean="0"/>
-              <a:t>27.04.2021</a:t>
+              <a:t>27-04-2021</a:t>
             </a:fld>
             <a:endParaRPr lang="pl-PL"/>
           </a:p>
@@ -9731,7 +9738,7 @@
           <a:p>
             <a:fld id="{844F4C65-81A9-4BCE-8E42-0A35E075B4F9}" type="datetimeFigureOut">
               <a:rPr lang="pl-PL" smtClean="0"/>
-              <a:t>27.04.2021</a:t>
+              <a:t>27-04-2021</a:t>
             </a:fld>
             <a:endParaRPr lang="pl-PL"/>
           </a:p>
@@ -10054,7 +10061,7 @@
           <a:p>
             <a:fld id="{844F4C65-81A9-4BCE-8E42-0A35E075B4F9}" type="datetimeFigureOut">
               <a:rPr lang="pl-PL" smtClean="0"/>
-              <a:t>27.04.2021</a:t>
+              <a:t>27-04-2021</a:t>
             </a:fld>
             <a:endParaRPr lang="pl-PL"/>
           </a:p>
@@ -10443,7 +10450,7 @@
           <a:p>
             <a:fld id="{844F4C65-81A9-4BCE-8E42-0A35E075B4F9}" type="datetimeFigureOut">
               <a:rPr lang="pl-PL" smtClean="0"/>
-              <a:t>27.04.2021</a:t>
+              <a:t>27-04-2021</a:t>
             </a:fld>
             <a:endParaRPr lang="pl-PL"/>
           </a:p>
@@ -10819,7 +10826,7 @@
           <a:p>
             <a:fld id="{844F4C65-81A9-4BCE-8E42-0A35E075B4F9}" type="datetimeFigureOut">
               <a:rPr lang="pl-PL" smtClean="0"/>
-              <a:t>27.04.2021</a:t>
+              <a:t>27-04-2021</a:t>
             </a:fld>
             <a:endParaRPr lang="pl-PL"/>
           </a:p>
@@ -11325,7 +11332,7 @@
           <a:p>
             <a:fld id="{844F4C65-81A9-4BCE-8E42-0A35E075B4F9}" type="datetimeFigureOut">
               <a:rPr lang="pl-PL" smtClean="0"/>
-              <a:t>27.04.2021</a:t>
+              <a:t>27-04-2021</a:t>
             </a:fld>
             <a:endParaRPr lang="pl-PL"/>
           </a:p>
@@ -11582,7 +11589,7 @@
           <a:p>
             <a:fld id="{844F4C65-81A9-4BCE-8E42-0A35E075B4F9}" type="datetimeFigureOut">
               <a:rPr lang="pl-PL" smtClean="0"/>
-              <a:t>27.04.2021</a:t>
+              <a:t>27-04-2021</a:t>
             </a:fld>
             <a:endParaRPr lang="pl-PL"/>
           </a:p>
@@ -11745,7 +11752,7 @@
           <a:p>
             <a:fld id="{844F4C65-81A9-4BCE-8E42-0A35E075B4F9}" type="datetimeFigureOut">
               <a:rPr lang="pl-PL" smtClean="0"/>
-              <a:t>27.04.2021</a:t>
+              <a:t>27-04-2021</a:t>
             </a:fld>
             <a:endParaRPr lang="pl-PL"/>
           </a:p>
@@ -12135,7 +12142,7 @@
           <a:p>
             <a:fld id="{844F4C65-81A9-4BCE-8E42-0A35E075B4F9}" type="datetimeFigureOut">
               <a:rPr lang="pl-PL" smtClean="0"/>
-              <a:t>27.04.2021</a:t>
+              <a:t>27-04-2021</a:t>
             </a:fld>
             <a:endParaRPr lang="pl-PL"/>
           </a:p>
@@ -12544,7 +12551,7 @@
           <a:p>
             <a:fld id="{844F4C65-81A9-4BCE-8E42-0A35E075B4F9}" type="datetimeFigureOut">
               <a:rPr lang="pl-PL" smtClean="0"/>
-              <a:t>27.04.2021</a:t>
+              <a:t>27-04-2021</a:t>
             </a:fld>
             <a:endParaRPr lang="pl-PL"/>
           </a:p>
@@ -12788,7 +12795,7 @@
           <a:p>
             <a:fld id="{844F4C65-81A9-4BCE-8E42-0A35E075B4F9}" type="datetimeFigureOut">
               <a:rPr lang="pl-PL" smtClean="0"/>
-              <a:t>27.04.2021</a:t>
+              <a:t>27-04-2021</a:t>
             </a:fld>
             <a:endParaRPr lang="pl-PL"/>
           </a:p>
@@ -17797,6 +17804,534 @@
 </p:sld>
 </file>
 
+<file path=ppt/slides/slide24.xml><?xml version="1.0" encoding="utf-8"?>
+<p:sld xmlns:a="http://schemas.openxmlformats.org/drawingml/2006/main" xmlns:r="http://schemas.openxmlformats.org/officeDocument/2006/relationships" xmlns:p="http://schemas.openxmlformats.org/presentationml/2006/main">
+  <p:cSld>
+    <p:spTree>
+      <p:nvGrpSpPr>
+        <p:cNvPr id="1" name=""/>
+        <p:cNvGrpSpPr/>
+        <p:nvPr/>
+      </p:nvGrpSpPr>
+      <p:grpSpPr>
+        <a:xfrm>
+          <a:off x="0" y="0"/>
+          <a:ext cx="0" cy="0"/>
+          <a:chOff x="0" y="0"/>
+          <a:chExt cx="0" cy="0"/>
+        </a:xfrm>
+      </p:grpSpPr>
+      <p:sp>
+        <p:nvSpPr>
+          <p:cNvPr id="2" name="Tytuł 1">
+            <a:extLst>
+              <a:ext uri="{FF2B5EF4-FFF2-40B4-BE49-F238E27FC236}">
+                <a16:creationId xmlns:a16="http://schemas.microsoft.com/office/drawing/2014/main" id="{19DA3A90-709B-45A7-A9D0-9ABDD69621A6}"/>
+              </a:ext>
+            </a:extLst>
+          </p:cNvPr>
+          <p:cNvSpPr>
+            <a:spLocks noGrp="1"/>
+          </p:cNvSpPr>
+          <p:nvPr>
+            <p:ph type="title"/>
+          </p:nvPr>
+        </p:nvSpPr>
+        <p:spPr/>
+        <p:txBody>
+          <a:bodyPr/>
+          <a:lstStyle/>
+          <a:p>
+            <a:r>
+              <a:rPr lang="pl-PL" dirty="0"/>
+              <a:t>Oferta dla klienta</a:t>
+            </a:r>
+          </a:p>
+        </p:txBody>
+      </p:sp>
+      <p:pic>
+        <p:nvPicPr>
+          <p:cNvPr id="4" name="Obraz 3">
+            <a:extLst>
+              <a:ext uri="{FF2B5EF4-FFF2-40B4-BE49-F238E27FC236}">
+                <a16:creationId xmlns:a16="http://schemas.microsoft.com/office/drawing/2014/main" id="{8509ED13-FAE5-4112-8309-0970D0FB449B}"/>
+              </a:ext>
+            </a:extLst>
+          </p:cNvPr>
+          <p:cNvPicPr>
+            <a:picLocks noChangeAspect="1"/>
+          </p:cNvPicPr>
+          <p:nvPr/>
+        </p:nvPicPr>
+        <p:blipFill>
+          <a:blip r:embed="rId2"/>
+          <a:stretch>
+            <a:fillRect/>
+          </a:stretch>
+        </p:blipFill>
+        <p:spPr>
+          <a:xfrm>
+            <a:off x="4831750" y="0"/>
+            <a:ext cx="7360250" cy="6858000"/>
+          </a:xfrm>
+          <a:prstGeom prst="rect">
+            <a:avLst/>
+          </a:prstGeom>
+        </p:spPr>
+      </p:pic>
+    </p:spTree>
+    <p:extLst>
+      <p:ext uri="{BB962C8B-B14F-4D97-AF65-F5344CB8AC3E}">
+        <p14:creationId xmlns:p14="http://schemas.microsoft.com/office/powerpoint/2010/main" val="832810156"/>
+      </p:ext>
+    </p:extLst>
+  </p:cSld>
+  <p:clrMapOvr>
+    <a:masterClrMapping/>
+  </p:clrMapOvr>
+</p:sld>
+</file>
+
+<file path=ppt/slides/slide25.xml><?xml version="1.0" encoding="utf-8"?>
+<p:sld xmlns:a="http://schemas.openxmlformats.org/drawingml/2006/main" xmlns:r="http://schemas.openxmlformats.org/officeDocument/2006/relationships" xmlns:p="http://schemas.openxmlformats.org/presentationml/2006/main">
+  <p:cSld>
+    <p:spTree>
+      <p:nvGrpSpPr>
+        <p:cNvPr id="1" name=""/>
+        <p:cNvGrpSpPr/>
+        <p:nvPr/>
+      </p:nvGrpSpPr>
+      <p:grpSpPr>
+        <a:xfrm>
+          <a:off x="0" y="0"/>
+          <a:ext cx="0" cy="0"/>
+          <a:chOff x="0" y="0"/>
+          <a:chExt cx="0" cy="0"/>
+        </a:xfrm>
+      </p:grpSpPr>
+      <p:sp>
+        <p:nvSpPr>
+          <p:cNvPr id="2" name="Tytuł 1">
+            <a:extLst>
+              <a:ext uri="{FF2B5EF4-FFF2-40B4-BE49-F238E27FC236}">
+                <a16:creationId xmlns:a16="http://schemas.microsoft.com/office/drawing/2014/main" id="{9A9CFD2E-1CB9-4BE0-A19F-39F50F06787F}"/>
+              </a:ext>
+            </a:extLst>
+          </p:cNvPr>
+          <p:cNvSpPr>
+            <a:spLocks noGrp="1"/>
+          </p:cNvSpPr>
+          <p:nvPr>
+            <p:ph type="title"/>
+          </p:nvPr>
+        </p:nvSpPr>
+        <p:spPr/>
+        <p:txBody>
+          <a:bodyPr/>
+          <a:lstStyle/>
+          <a:p>
+            <a:r>
+              <a:rPr lang="pl-PL" dirty="0"/>
+              <a:t>Wypłata</a:t>
+            </a:r>
+          </a:p>
+        </p:txBody>
+      </p:sp>
+      <p:pic>
+        <p:nvPicPr>
+          <p:cNvPr id="4" name="Obraz 3">
+            <a:extLst>
+              <a:ext uri="{FF2B5EF4-FFF2-40B4-BE49-F238E27FC236}">
+                <a16:creationId xmlns:a16="http://schemas.microsoft.com/office/drawing/2014/main" id="{14D4A556-F700-4B18-B05F-CC473388AA33}"/>
+              </a:ext>
+            </a:extLst>
+          </p:cNvPr>
+          <p:cNvPicPr>
+            <a:picLocks noChangeAspect="1"/>
+          </p:cNvPicPr>
+          <p:nvPr/>
+        </p:nvPicPr>
+        <p:blipFill>
+          <a:blip r:embed="rId2"/>
+          <a:stretch>
+            <a:fillRect/>
+          </a:stretch>
+        </p:blipFill>
+        <p:spPr>
+          <a:xfrm>
+            <a:off x="4756079" y="0"/>
+            <a:ext cx="7435921" cy="6858000"/>
+          </a:xfrm>
+          <a:prstGeom prst="rect">
+            <a:avLst/>
+          </a:prstGeom>
+        </p:spPr>
+      </p:pic>
+    </p:spTree>
+    <p:extLst>
+      <p:ext uri="{BB962C8B-B14F-4D97-AF65-F5344CB8AC3E}">
+        <p14:creationId xmlns:p14="http://schemas.microsoft.com/office/powerpoint/2010/main" val="1920037621"/>
+      </p:ext>
+    </p:extLst>
+  </p:cSld>
+  <p:clrMapOvr>
+    <a:masterClrMapping/>
+  </p:clrMapOvr>
+</p:sld>
+</file>
+
+<file path=ppt/slides/slide26.xml><?xml version="1.0" encoding="utf-8"?>
+<p:sld xmlns:a="http://schemas.openxmlformats.org/drawingml/2006/main" xmlns:r="http://schemas.openxmlformats.org/officeDocument/2006/relationships" xmlns:p="http://schemas.openxmlformats.org/presentationml/2006/main">
+  <p:cSld>
+    <p:spTree>
+      <p:nvGrpSpPr>
+        <p:cNvPr id="1" name=""/>
+        <p:cNvGrpSpPr/>
+        <p:nvPr/>
+      </p:nvGrpSpPr>
+      <p:grpSpPr>
+        <a:xfrm>
+          <a:off x="0" y="0"/>
+          <a:ext cx="0" cy="0"/>
+          <a:chOff x="0" y="0"/>
+          <a:chExt cx="0" cy="0"/>
+        </a:xfrm>
+      </p:grpSpPr>
+      <p:sp>
+        <p:nvSpPr>
+          <p:cNvPr id="2" name="Tytuł 1">
+            <a:extLst>
+              <a:ext uri="{FF2B5EF4-FFF2-40B4-BE49-F238E27FC236}">
+                <a16:creationId xmlns:a16="http://schemas.microsoft.com/office/drawing/2014/main" id="{E1F8C03E-5A14-439F-B27D-CDD677731858}"/>
+              </a:ext>
+            </a:extLst>
+          </p:cNvPr>
+          <p:cNvSpPr>
+            <a:spLocks noGrp="1"/>
+          </p:cNvSpPr>
+          <p:nvPr>
+            <p:ph type="title"/>
+          </p:nvPr>
+        </p:nvSpPr>
+        <p:spPr/>
+        <p:txBody>
+          <a:bodyPr/>
+          <a:lstStyle/>
+          <a:p>
+            <a:r>
+              <a:rPr lang="pl-PL" dirty="0"/>
+              <a:t>Wydanie faktury</a:t>
+            </a:r>
+          </a:p>
+        </p:txBody>
+      </p:sp>
+      <p:pic>
+        <p:nvPicPr>
+          <p:cNvPr id="7" name="Obraz 6">
+            <a:extLst>
+              <a:ext uri="{FF2B5EF4-FFF2-40B4-BE49-F238E27FC236}">
+                <a16:creationId xmlns:a16="http://schemas.microsoft.com/office/drawing/2014/main" id="{939B5A5B-8AA5-4A86-81E7-E31717C7B186}"/>
+              </a:ext>
+            </a:extLst>
+          </p:cNvPr>
+          <p:cNvPicPr>
+            <a:picLocks noChangeAspect="1"/>
+          </p:cNvPicPr>
+          <p:nvPr/>
+        </p:nvPicPr>
+        <p:blipFill>
+          <a:blip r:embed="rId2"/>
+          <a:stretch>
+            <a:fillRect/>
+          </a:stretch>
+        </p:blipFill>
+        <p:spPr>
+          <a:xfrm>
+            <a:off x="4877831" y="0"/>
+            <a:ext cx="7314169" cy="6858000"/>
+          </a:xfrm>
+          <a:prstGeom prst="rect">
+            <a:avLst/>
+          </a:prstGeom>
+        </p:spPr>
+      </p:pic>
+    </p:spTree>
+    <p:extLst>
+      <p:ext uri="{BB962C8B-B14F-4D97-AF65-F5344CB8AC3E}">
+        <p14:creationId xmlns:p14="http://schemas.microsoft.com/office/powerpoint/2010/main" val="3936350770"/>
+      </p:ext>
+    </p:extLst>
+  </p:cSld>
+  <p:clrMapOvr>
+    <a:masterClrMapping/>
+  </p:clrMapOvr>
+</p:sld>
+</file>
+
+<file path=ppt/slides/slide27.xml><?xml version="1.0" encoding="utf-8"?>
+<p:sld xmlns:a="http://schemas.openxmlformats.org/drawingml/2006/main" xmlns:r="http://schemas.openxmlformats.org/officeDocument/2006/relationships" xmlns:p="http://schemas.openxmlformats.org/presentationml/2006/main">
+  <p:cSld>
+    <p:spTree>
+      <p:nvGrpSpPr>
+        <p:cNvPr id="1" name=""/>
+        <p:cNvGrpSpPr/>
+        <p:nvPr/>
+      </p:nvGrpSpPr>
+      <p:grpSpPr>
+        <a:xfrm>
+          <a:off x="0" y="0"/>
+          <a:ext cx="0" cy="0"/>
+          <a:chOff x="0" y="0"/>
+          <a:chExt cx="0" cy="0"/>
+        </a:xfrm>
+      </p:grpSpPr>
+      <p:sp>
+        <p:nvSpPr>
+          <p:cNvPr id="2" name="Tytuł 1">
+            <a:extLst>
+              <a:ext uri="{FF2B5EF4-FFF2-40B4-BE49-F238E27FC236}">
+                <a16:creationId xmlns:a16="http://schemas.microsoft.com/office/drawing/2014/main" id="{FADA5054-ACC2-481A-94EC-C1483A2C0ACB}"/>
+              </a:ext>
+            </a:extLst>
+          </p:cNvPr>
+          <p:cNvSpPr>
+            <a:spLocks noGrp="1"/>
+          </p:cNvSpPr>
+          <p:nvPr>
+            <p:ph type="title"/>
+          </p:nvPr>
+        </p:nvSpPr>
+        <p:spPr/>
+        <p:txBody>
+          <a:bodyPr/>
+          <a:lstStyle/>
+          <a:p>
+            <a:r>
+              <a:rPr lang="pl-PL" dirty="0"/>
+              <a:t>Wpływy</a:t>
+            </a:r>
+          </a:p>
+        </p:txBody>
+      </p:sp>
+      <p:pic>
+        <p:nvPicPr>
+          <p:cNvPr id="4" name="Obraz 3">
+            <a:extLst>
+              <a:ext uri="{FF2B5EF4-FFF2-40B4-BE49-F238E27FC236}">
+                <a16:creationId xmlns:a16="http://schemas.microsoft.com/office/drawing/2014/main" id="{254452A8-7EC6-4D0B-87AF-D3B884F1213A}"/>
+              </a:ext>
+            </a:extLst>
+          </p:cNvPr>
+          <p:cNvPicPr>
+            <a:picLocks noChangeAspect="1"/>
+          </p:cNvPicPr>
+          <p:nvPr/>
+        </p:nvPicPr>
+        <p:blipFill>
+          <a:blip r:embed="rId2"/>
+          <a:stretch>
+            <a:fillRect/>
+          </a:stretch>
+        </p:blipFill>
+        <p:spPr>
+          <a:xfrm>
+            <a:off x="5896790" y="0"/>
+            <a:ext cx="6295210" cy="6858000"/>
+          </a:xfrm>
+          <a:prstGeom prst="rect">
+            <a:avLst/>
+          </a:prstGeom>
+        </p:spPr>
+      </p:pic>
+    </p:spTree>
+    <p:extLst>
+      <p:ext uri="{BB962C8B-B14F-4D97-AF65-F5344CB8AC3E}">
+        <p14:creationId xmlns:p14="http://schemas.microsoft.com/office/powerpoint/2010/main" val="2035800844"/>
+      </p:ext>
+    </p:extLst>
+  </p:cSld>
+  <p:clrMapOvr>
+    <a:masterClrMapping/>
+  </p:clrMapOvr>
+</p:sld>
+</file>
+
+<file path=ppt/slides/slide28.xml><?xml version="1.0" encoding="utf-8"?>
+<p:sld xmlns:a="http://schemas.openxmlformats.org/drawingml/2006/main" xmlns:r="http://schemas.openxmlformats.org/officeDocument/2006/relationships" xmlns:p="http://schemas.openxmlformats.org/presentationml/2006/main">
+  <p:cSld>
+    <p:spTree>
+      <p:nvGrpSpPr>
+        <p:cNvPr id="1" name=""/>
+        <p:cNvGrpSpPr/>
+        <p:nvPr/>
+      </p:nvGrpSpPr>
+      <p:grpSpPr>
+        <a:xfrm>
+          <a:off x="0" y="0"/>
+          <a:ext cx="0" cy="0"/>
+          <a:chOff x="0" y="0"/>
+          <a:chExt cx="0" cy="0"/>
+        </a:xfrm>
+      </p:grpSpPr>
+      <p:sp>
+        <p:nvSpPr>
+          <p:cNvPr id="2" name="Tytuł 1">
+            <a:extLst>
+              <a:ext uri="{FF2B5EF4-FFF2-40B4-BE49-F238E27FC236}">
+                <a16:creationId xmlns:a16="http://schemas.microsoft.com/office/drawing/2014/main" id="{7B20D057-D7F8-484A-99CE-44C5074C854D}"/>
+              </a:ext>
+            </a:extLst>
+          </p:cNvPr>
+          <p:cNvSpPr>
+            <a:spLocks noGrp="1"/>
+          </p:cNvSpPr>
+          <p:nvPr>
+            <p:ph type="title"/>
+          </p:nvPr>
+        </p:nvSpPr>
+        <p:spPr/>
+        <p:txBody>
+          <a:bodyPr/>
+          <a:lstStyle/>
+          <a:p>
+            <a:r>
+              <a:rPr lang="pl-PL" dirty="0"/>
+              <a:t>Opłaty stałe</a:t>
+            </a:r>
+          </a:p>
+        </p:txBody>
+      </p:sp>
+      <p:pic>
+        <p:nvPicPr>
+          <p:cNvPr id="6" name="Obraz 5">
+            <a:extLst>
+              <a:ext uri="{FF2B5EF4-FFF2-40B4-BE49-F238E27FC236}">
+                <a16:creationId xmlns:a16="http://schemas.microsoft.com/office/drawing/2014/main" id="{72AFA74C-DC3D-4FE9-BCDC-90FB0B3C2076}"/>
+              </a:ext>
+            </a:extLst>
+          </p:cNvPr>
+          <p:cNvPicPr>
+            <a:picLocks noChangeAspect="1"/>
+          </p:cNvPicPr>
+          <p:nvPr/>
+        </p:nvPicPr>
+        <p:blipFill>
+          <a:blip r:embed="rId2"/>
+          <a:stretch>
+            <a:fillRect/>
+          </a:stretch>
+        </p:blipFill>
+        <p:spPr>
+          <a:xfrm>
+            <a:off x="6338468" y="1970202"/>
+            <a:ext cx="5853532" cy="4887798"/>
+          </a:xfrm>
+          <a:prstGeom prst="rect">
+            <a:avLst/>
+          </a:prstGeom>
+        </p:spPr>
+      </p:pic>
+    </p:spTree>
+    <p:extLst>
+      <p:ext uri="{BB962C8B-B14F-4D97-AF65-F5344CB8AC3E}">
+        <p14:creationId xmlns:p14="http://schemas.microsoft.com/office/powerpoint/2010/main" val="2070685674"/>
+      </p:ext>
+    </p:extLst>
+  </p:cSld>
+  <p:clrMapOvr>
+    <a:masterClrMapping/>
+  </p:clrMapOvr>
+</p:sld>
+</file>
+
+<file path=ppt/slides/slide29.xml><?xml version="1.0" encoding="utf-8"?>
+<p:sld xmlns:a="http://schemas.openxmlformats.org/drawingml/2006/main" xmlns:r="http://schemas.openxmlformats.org/officeDocument/2006/relationships" xmlns:p="http://schemas.openxmlformats.org/presentationml/2006/main">
+  <p:cSld>
+    <p:spTree>
+      <p:nvGrpSpPr>
+        <p:cNvPr id="1" name=""/>
+        <p:cNvGrpSpPr/>
+        <p:nvPr/>
+      </p:nvGrpSpPr>
+      <p:grpSpPr>
+        <a:xfrm>
+          <a:off x="0" y="0"/>
+          <a:ext cx="0" cy="0"/>
+          <a:chOff x="0" y="0"/>
+          <a:chExt cx="0" cy="0"/>
+        </a:xfrm>
+      </p:grpSpPr>
+      <p:sp>
+        <p:nvSpPr>
+          <p:cNvPr id="2" name="Tytuł 1">
+            <a:extLst>
+              <a:ext uri="{FF2B5EF4-FFF2-40B4-BE49-F238E27FC236}">
+                <a16:creationId xmlns:a16="http://schemas.microsoft.com/office/drawing/2014/main" id="{C91C4CD4-9C96-4AF4-ACE0-9CFD711A54A3}"/>
+              </a:ext>
+            </a:extLst>
+          </p:cNvPr>
+          <p:cNvSpPr>
+            <a:spLocks noGrp="1"/>
+          </p:cNvSpPr>
+          <p:nvPr>
+            <p:ph type="title"/>
+          </p:nvPr>
+        </p:nvSpPr>
+        <p:spPr/>
+        <p:txBody>
+          <a:bodyPr/>
+          <a:lstStyle/>
+          <a:p>
+            <a:r>
+              <a:rPr lang="pl-PL" dirty="0"/>
+              <a:t>Koszty zewnętrzne</a:t>
+            </a:r>
+          </a:p>
+        </p:txBody>
+      </p:sp>
+      <p:pic>
+        <p:nvPicPr>
+          <p:cNvPr id="9" name="Obraz 8">
+            <a:extLst>
+              <a:ext uri="{FF2B5EF4-FFF2-40B4-BE49-F238E27FC236}">
+                <a16:creationId xmlns:a16="http://schemas.microsoft.com/office/drawing/2014/main" id="{4F5E7033-4E35-46C3-9236-7682A1020BB3}"/>
+              </a:ext>
+            </a:extLst>
+          </p:cNvPr>
+          <p:cNvPicPr>
+            <a:picLocks noChangeAspect="1"/>
+          </p:cNvPicPr>
+          <p:nvPr/>
+        </p:nvPicPr>
+        <p:blipFill>
+          <a:blip r:embed="rId2"/>
+          <a:stretch>
+            <a:fillRect/>
+          </a:stretch>
+        </p:blipFill>
+        <p:spPr>
+          <a:xfrm>
+            <a:off x="1463591" y="1979629"/>
+            <a:ext cx="10728409" cy="4878371"/>
+          </a:xfrm>
+          <a:prstGeom prst="rect">
+            <a:avLst/>
+          </a:prstGeom>
+        </p:spPr>
+      </p:pic>
+    </p:spTree>
+    <p:extLst>
+      <p:ext uri="{BB962C8B-B14F-4D97-AF65-F5344CB8AC3E}">
+        <p14:creationId xmlns:p14="http://schemas.microsoft.com/office/powerpoint/2010/main" val="166801903"/>
+      </p:ext>
+    </p:extLst>
+  </p:cSld>
+  <p:clrMapOvr>
+    <a:masterClrMapping/>
+  </p:clrMapOvr>
+</p:sld>
+</file>
+
 <file path=ppt/slides/slide3.xml><?xml version="1.0" encoding="utf-8"?>
 <p:sld xmlns:a="http://schemas.openxmlformats.org/drawingml/2006/main" xmlns:r="http://schemas.openxmlformats.org/officeDocument/2006/relationships" xmlns:p="http://schemas.openxmlformats.org/presentationml/2006/main" show="0">
   <p:cSld>
@@ -17912,6 +18447,94 @@
     <p:extLst>
       <p:ext uri="{BB962C8B-B14F-4D97-AF65-F5344CB8AC3E}">
         <p14:creationId xmlns:p14="http://schemas.microsoft.com/office/powerpoint/2010/main" val="1577202253"/>
+      </p:ext>
+    </p:extLst>
+  </p:cSld>
+  <p:clrMapOvr>
+    <a:masterClrMapping/>
+  </p:clrMapOvr>
+</p:sld>
+</file>
+
+<file path=ppt/slides/slide30.xml><?xml version="1.0" encoding="utf-8"?>
+<p:sld xmlns:a="http://schemas.openxmlformats.org/drawingml/2006/main" xmlns:r="http://schemas.openxmlformats.org/officeDocument/2006/relationships" xmlns:p="http://schemas.openxmlformats.org/presentationml/2006/main">
+  <p:cSld>
+    <p:spTree>
+      <p:nvGrpSpPr>
+        <p:cNvPr id="1" name=""/>
+        <p:cNvGrpSpPr/>
+        <p:nvPr/>
+      </p:nvGrpSpPr>
+      <p:grpSpPr>
+        <a:xfrm>
+          <a:off x="0" y="0"/>
+          <a:ext cx="0" cy="0"/>
+          <a:chOff x="0" y="0"/>
+          <a:chExt cx="0" cy="0"/>
+        </a:xfrm>
+      </p:grpSpPr>
+      <p:sp>
+        <p:nvSpPr>
+          <p:cNvPr id="2" name="Tytuł 1">
+            <a:extLst>
+              <a:ext uri="{FF2B5EF4-FFF2-40B4-BE49-F238E27FC236}">
+                <a16:creationId xmlns:a16="http://schemas.microsoft.com/office/drawing/2014/main" id="{EC002D38-331E-4C43-851E-7B2A0C90C1DA}"/>
+              </a:ext>
+            </a:extLst>
+          </p:cNvPr>
+          <p:cNvSpPr>
+            <a:spLocks noGrp="1"/>
+          </p:cNvSpPr>
+          <p:nvPr>
+            <p:ph type="title"/>
+          </p:nvPr>
+        </p:nvSpPr>
+        <p:spPr/>
+        <p:txBody>
+          <a:bodyPr/>
+          <a:lstStyle/>
+          <a:p>
+            <a:r>
+              <a:rPr lang="pl-PL" dirty="0"/>
+              <a:t>Bilans miesięczny</a:t>
+            </a:r>
+          </a:p>
+        </p:txBody>
+      </p:sp>
+      <p:pic>
+        <p:nvPicPr>
+          <p:cNvPr id="7" name="Obraz 6">
+            <a:extLst>
+              <a:ext uri="{FF2B5EF4-FFF2-40B4-BE49-F238E27FC236}">
+                <a16:creationId xmlns:a16="http://schemas.microsoft.com/office/drawing/2014/main" id="{B45ADEC8-6B9D-427C-8870-B7831A54D77F}"/>
+              </a:ext>
+            </a:extLst>
+          </p:cNvPr>
+          <p:cNvPicPr>
+            <a:picLocks noChangeAspect="1"/>
+          </p:cNvPicPr>
+          <p:nvPr/>
+        </p:nvPicPr>
+        <p:blipFill>
+          <a:blip r:embed="rId2"/>
+          <a:stretch>
+            <a:fillRect/>
+          </a:stretch>
+        </p:blipFill>
+        <p:spPr>
+          <a:xfrm>
+            <a:off x="7692272" y="622169"/>
+            <a:ext cx="4499728" cy="6235831"/>
+          </a:xfrm>
+          <a:prstGeom prst="rect">
+            <a:avLst/>
+          </a:prstGeom>
+        </p:spPr>
+      </p:pic>
+    </p:spTree>
+    <p:extLst>
+      <p:ext uri="{BB962C8B-B14F-4D97-AF65-F5344CB8AC3E}">
+        <p14:creationId xmlns:p14="http://schemas.microsoft.com/office/powerpoint/2010/main" val="318629951"/>
       </p:ext>
     </p:extLst>
   </p:cSld>

--- a/Prezentacja.pptx
+++ b/Prezentacja.pptx
@@ -35,6 +35,7 @@
     <p:sldId id="285" r:id="rId29"/>
     <p:sldId id="286" r:id="rId30"/>
     <p:sldId id="287" r:id="rId31"/>
+    <p:sldId id="288" r:id="rId32"/>
   </p:sldIdLst>
   <p:sldSz cx="12192000" cy="6858000"/>
   <p:notesSz cx="6858000" cy="9144000"/>
@@ -5844,7 +5845,7 @@
           <a:p>
             <a:fld id="{844F4C65-81A9-4BCE-8E42-0A35E075B4F9}" type="datetimeFigureOut">
               <a:rPr lang="pl-PL" smtClean="0"/>
-              <a:t>27-04-2021</a:t>
+              <a:t>28.04.2021</a:t>
             </a:fld>
             <a:endParaRPr lang="pl-PL"/>
           </a:p>
@@ -6258,7 +6259,7 @@
           <a:p>
             <a:fld id="{844F4C65-81A9-4BCE-8E42-0A35E075B4F9}" type="datetimeFigureOut">
               <a:rPr lang="pl-PL" smtClean="0"/>
-              <a:t>27-04-2021</a:t>
+              <a:t>28.04.2021</a:t>
             </a:fld>
             <a:endParaRPr lang="pl-PL"/>
           </a:p>
@@ -6594,7 +6595,7 @@
           <a:p>
             <a:fld id="{844F4C65-81A9-4BCE-8E42-0A35E075B4F9}" type="datetimeFigureOut">
               <a:rPr lang="pl-PL" smtClean="0"/>
-              <a:t>27-04-2021</a:t>
+              <a:t>28.04.2021</a:t>
             </a:fld>
             <a:endParaRPr lang="pl-PL"/>
           </a:p>
@@ -6999,7 +7000,7 @@
           <a:p>
             <a:fld id="{844F4C65-81A9-4BCE-8E42-0A35E075B4F9}" type="datetimeFigureOut">
               <a:rPr lang="pl-PL" smtClean="0"/>
-              <a:t>27-04-2021</a:t>
+              <a:t>28.04.2021</a:t>
             </a:fld>
             <a:endParaRPr lang="pl-PL"/>
           </a:p>
@@ -7567,7 +7568,7 @@
           <a:p>
             <a:fld id="{844F4C65-81A9-4BCE-8E42-0A35E075B4F9}" type="datetimeFigureOut">
               <a:rPr lang="pl-PL" smtClean="0"/>
-              <a:t>27-04-2021</a:t>
+              <a:t>28.04.2021</a:t>
             </a:fld>
             <a:endParaRPr lang="pl-PL"/>
           </a:p>
@@ -8248,7 +8249,7 @@
           <a:p>
             <a:fld id="{844F4C65-81A9-4BCE-8E42-0A35E075B4F9}" type="datetimeFigureOut">
               <a:rPr lang="pl-PL" smtClean="0"/>
-              <a:t>27-04-2021</a:t>
+              <a:t>28.04.2021</a:t>
             </a:fld>
             <a:endParaRPr lang="pl-PL"/>
           </a:p>
@@ -9161,7 +9162,7 @@
           <a:p>
             <a:fld id="{844F4C65-81A9-4BCE-8E42-0A35E075B4F9}" type="datetimeFigureOut">
               <a:rPr lang="pl-PL" smtClean="0"/>
-              <a:t>27-04-2021</a:t>
+              <a:t>28.04.2021</a:t>
             </a:fld>
             <a:endParaRPr lang="pl-PL"/>
           </a:p>
@@ -9474,7 +9475,7 @@
           <a:p>
             <a:fld id="{844F4C65-81A9-4BCE-8E42-0A35E075B4F9}" type="datetimeFigureOut">
               <a:rPr lang="pl-PL" smtClean="0"/>
-              <a:t>27-04-2021</a:t>
+              <a:t>28.04.2021</a:t>
             </a:fld>
             <a:endParaRPr lang="pl-PL"/>
           </a:p>
@@ -9738,7 +9739,7 @@
           <a:p>
             <a:fld id="{844F4C65-81A9-4BCE-8E42-0A35E075B4F9}" type="datetimeFigureOut">
               <a:rPr lang="pl-PL" smtClean="0"/>
-              <a:t>27-04-2021</a:t>
+              <a:t>28.04.2021</a:t>
             </a:fld>
             <a:endParaRPr lang="pl-PL"/>
           </a:p>
@@ -10061,7 +10062,7 @@
           <a:p>
             <a:fld id="{844F4C65-81A9-4BCE-8E42-0A35E075B4F9}" type="datetimeFigureOut">
               <a:rPr lang="pl-PL" smtClean="0"/>
-              <a:t>27-04-2021</a:t>
+              <a:t>28.04.2021</a:t>
             </a:fld>
             <a:endParaRPr lang="pl-PL"/>
           </a:p>
@@ -10450,7 +10451,7 @@
           <a:p>
             <a:fld id="{844F4C65-81A9-4BCE-8E42-0A35E075B4F9}" type="datetimeFigureOut">
               <a:rPr lang="pl-PL" smtClean="0"/>
-              <a:t>27-04-2021</a:t>
+              <a:t>28.04.2021</a:t>
             </a:fld>
             <a:endParaRPr lang="pl-PL"/>
           </a:p>
@@ -10826,7 +10827,7 @@
           <a:p>
             <a:fld id="{844F4C65-81A9-4BCE-8E42-0A35E075B4F9}" type="datetimeFigureOut">
               <a:rPr lang="pl-PL" smtClean="0"/>
-              <a:t>27-04-2021</a:t>
+              <a:t>28.04.2021</a:t>
             </a:fld>
             <a:endParaRPr lang="pl-PL"/>
           </a:p>
@@ -11332,7 +11333,7 @@
           <a:p>
             <a:fld id="{844F4C65-81A9-4BCE-8E42-0A35E075B4F9}" type="datetimeFigureOut">
               <a:rPr lang="pl-PL" smtClean="0"/>
-              <a:t>27-04-2021</a:t>
+              <a:t>28.04.2021</a:t>
             </a:fld>
             <a:endParaRPr lang="pl-PL"/>
           </a:p>
@@ -11589,7 +11590,7 @@
           <a:p>
             <a:fld id="{844F4C65-81A9-4BCE-8E42-0A35E075B4F9}" type="datetimeFigureOut">
               <a:rPr lang="pl-PL" smtClean="0"/>
-              <a:t>27-04-2021</a:t>
+              <a:t>28.04.2021</a:t>
             </a:fld>
             <a:endParaRPr lang="pl-PL"/>
           </a:p>
@@ -11752,7 +11753,7 @@
           <a:p>
             <a:fld id="{844F4C65-81A9-4BCE-8E42-0A35E075B4F9}" type="datetimeFigureOut">
               <a:rPr lang="pl-PL" smtClean="0"/>
-              <a:t>27-04-2021</a:t>
+              <a:t>28.04.2021</a:t>
             </a:fld>
             <a:endParaRPr lang="pl-PL"/>
           </a:p>
@@ -12142,7 +12143,7 @@
           <a:p>
             <a:fld id="{844F4C65-81A9-4BCE-8E42-0A35E075B4F9}" type="datetimeFigureOut">
               <a:rPr lang="pl-PL" smtClean="0"/>
-              <a:t>27-04-2021</a:t>
+              <a:t>28.04.2021</a:t>
             </a:fld>
             <a:endParaRPr lang="pl-PL"/>
           </a:p>
@@ -12551,7 +12552,7 @@
           <a:p>
             <a:fld id="{844F4C65-81A9-4BCE-8E42-0A35E075B4F9}" type="datetimeFigureOut">
               <a:rPr lang="pl-PL" smtClean="0"/>
-              <a:t>27-04-2021</a:t>
+              <a:t>28.04.2021</a:t>
             </a:fld>
             <a:endParaRPr lang="pl-PL"/>
           </a:p>
@@ -12795,7 +12796,7 @@
           <a:p>
             <a:fld id="{844F4C65-81A9-4BCE-8E42-0A35E075B4F9}" type="datetimeFigureOut">
               <a:rPr lang="pl-PL" smtClean="0"/>
-              <a:t>27-04-2021</a:t>
+              <a:t>28.04.2021</a:t>
             </a:fld>
             <a:endParaRPr lang="pl-PL"/>
           </a:p>
@@ -18535,6 +18536,103 @@
     <p:extLst>
       <p:ext uri="{BB962C8B-B14F-4D97-AF65-F5344CB8AC3E}">
         <p14:creationId xmlns:p14="http://schemas.microsoft.com/office/powerpoint/2010/main" val="318629951"/>
+      </p:ext>
+    </p:extLst>
+  </p:cSld>
+  <p:clrMapOvr>
+    <a:masterClrMapping/>
+  </p:clrMapOvr>
+</p:sld>
+</file>
+
+<file path=ppt/slides/slide31.xml><?xml version="1.0" encoding="utf-8"?>
+<p:sld xmlns:a="http://schemas.openxmlformats.org/drawingml/2006/main" xmlns:r="http://schemas.openxmlformats.org/officeDocument/2006/relationships" xmlns:p="http://schemas.openxmlformats.org/presentationml/2006/main">
+  <p:cSld>
+    <p:spTree>
+      <p:nvGrpSpPr>
+        <p:cNvPr id="1" name=""/>
+        <p:cNvGrpSpPr/>
+        <p:nvPr/>
+      </p:nvGrpSpPr>
+      <p:grpSpPr>
+        <a:xfrm>
+          <a:off x="0" y="0"/>
+          <a:ext cx="0" cy="0"/>
+          <a:chOff x="0" y="0"/>
+          <a:chExt cx="0" cy="0"/>
+        </a:xfrm>
+      </p:grpSpPr>
+      <p:sp>
+        <p:nvSpPr>
+          <p:cNvPr id="2" name="Tytuł 1">
+            <a:extLst>
+              <a:ext uri="{FF2B5EF4-FFF2-40B4-BE49-F238E27FC236}">
+                <a16:creationId xmlns:a16="http://schemas.microsoft.com/office/drawing/2014/main" id="{5F2950B6-0793-4BC7-9558-BED89750DE64}"/>
+              </a:ext>
+            </a:extLst>
+          </p:cNvPr>
+          <p:cNvSpPr>
+            <a:spLocks noGrp="1"/>
+          </p:cNvSpPr>
+          <p:nvPr>
+            <p:ph type="title"/>
+          </p:nvPr>
+        </p:nvSpPr>
+        <p:spPr/>
+        <p:txBody>
+          <a:bodyPr/>
+          <a:lstStyle/>
+          <a:p>
+            <a:r>
+              <a:rPr lang="pl-PL" b="0" i="0" dirty="0">
+                <a:effectLst/>
+                <a:latin typeface="Segoe UI Historic" panose="020B0502040204020203" pitchFamily="34" charset="0"/>
+              </a:rPr>
+              <a:t>Algorytm stwierdzający czy ilość materiału jest wystarczająca do zrealizowania zlecenia</a:t>
+            </a:r>
+            <a:endParaRPr lang="pl-PL" dirty="0"/>
+          </a:p>
+        </p:txBody>
+      </p:sp>
+      <p:pic>
+        <p:nvPicPr>
+          <p:cNvPr id="5" name="Symbol zastępczy zawartości 4">
+            <a:extLst>
+              <a:ext uri="{FF2B5EF4-FFF2-40B4-BE49-F238E27FC236}">
+                <a16:creationId xmlns:a16="http://schemas.microsoft.com/office/drawing/2014/main" id="{9B4A35F1-3CDA-4842-953D-91DF87BDC5ED}"/>
+              </a:ext>
+            </a:extLst>
+          </p:cNvPr>
+          <p:cNvPicPr>
+            <a:picLocks noGrp="1" noChangeAspect="1"/>
+          </p:cNvPicPr>
+          <p:nvPr>
+            <p:ph idx="1"/>
+          </p:nvPr>
+        </p:nvPicPr>
+        <p:blipFill>
+          <a:blip r:embed="rId2">
+            <a:extLst>
+              <a:ext uri="{28A0092B-C50C-407E-A947-70E740481C1C}">
+                <a14:useLocalDpi xmlns:a14="http://schemas.microsoft.com/office/drawing/2010/main" val="0"/>
+              </a:ext>
+            </a:extLst>
+          </a:blip>
+          <a:stretch>
+            <a:fillRect/>
+          </a:stretch>
+        </p:blipFill>
+        <p:spPr>
+          <a:xfrm>
+            <a:off x="2821022" y="1984476"/>
+            <a:ext cx="6011693" cy="4850344"/>
+          </a:xfrm>
+        </p:spPr>
+      </p:pic>
+    </p:spTree>
+    <p:extLst>
+      <p:ext uri="{BB962C8B-B14F-4D97-AF65-F5344CB8AC3E}">
+        <p14:creationId xmlns:p14="http://schemas.microsoft.com/office/powerpoint/2010/main" val="514699940"/>
       </p:ext>
     </p:extLst>
   </p:cSld>

--- a/Prezentacja.pptx
+++ b/Prezentacja.pptx
@@ -24,17 +24,18 @@
     <p:sldId id="272" r:id="rId18"/>
     <p:sldId id="273" r:id="rId19"/>
     <p:sldId id="274" r:id="rId20"/>
-    <p:sldId id="277" r:id="rId21"/>
-    <p:sldId id="278" r:id="rId22"/>
-    <p:sldId id="279" r:id="rId23"/>
-    <p:sldId id="280" r:id="rId24"/>
-    <p:sldId id="281" r:id="rId25"/>
-    <p:sldId id="282" r:id="rId26"/>
-    <p:sldId id="283" r:id="rId27"/>
-    <p:sldId id="284" r:id="rId28"/>
-    <p:sldId id="285" r:id="rId29"/>
-    <p:sldId id="286" r:id="rId30"/>
-    <p:sldId id="287" r:id="rId31"/>
+    <p:sldId id="288" r:id="rId21"/>
+    <p:sldId id="277" r:id="rId22"/>
+    <p:sldId id="278" r:id="rId23"/>
+    <p:sldId id="279" r:id="rId24"/>
+    <p:sldId id="280" r:id="rId25"/>
+    <p:sldId id="281" r:id="rId26"/>
+    <p:sldId id="282" r:id="rId27"/>
+    <p:sldId id="283" r:id="rId28"/>
+    <p:sldId id="284" r:id="rId29"/>
+    <p:sldId id="285" r:id="rId30"/>
+    <p:sldId id="286" r:id="rId31"/>
+    <p:sldId id="287" r:id="rId32"/>
   </p:sldIdLst>
   <p:sldSz cx="12192000" cy="6858000"/>
   <p:notesSz cx="6858000" cy="9144000"/>
@@ -5844,7 +5845,7 @@
           <a:p>
             <a:fld id="{844F4C65-81A9-4BCE-8E42-0A35E075B4F9}" type="datetimeFigureOut">
               <a:rPr lang="pl-PL" smtClean="0"/>
-              <a:t>27-04-2021</a:t>
+              <a:t>28.04.2021</a:t>
             </a:fld>
             <a:endParaRPr lang="pl-PL"/>
           </a:p>
@@ -6258,7 +6259,7 @@
           <a:p>
             <a:fld id="{844F4C65-81A9-4BCE-8E42-0A35E075B4F9}" type="datetimeFigureOut">
               <a:rPr lang="pl-PL" smtClean="0"/>
-              <a:t>27-04-2021</a:t>
+              <a:t>28.04.2021</a:t>
             </a:fld>
             <a:endParaRPr lang="pl-PL"/>
           </a:p>
@@ -6594,7 +6595,7 @@
           <a:p>
             <a:fld id="{844F4C65-81A9-4BCE-8E42-0A35E075B4F9}" type="datetimeFigureOut">
               <a:rPr lang="pl-PL" smtClean="0"/>
-              <a:t>27-04-2021</a:t>
+              <a:t>28.04.2021</a:t>
             </a:fld>
             <a:endParaRPr lang="pl-PL"/>
           </a:p>
@@ -6999,7 +7000,7 @@
           <a:p>
             <a:fld id="{844F4C65-81A9-4BCE-8E42-0A35E075B4F9}" type="datetimeFigureOut">
               <a:rPr lang="pl-PL" smtClean="0"/>
-              <a:t>27-04-2021</a:t>
+              <a:t>28.04.2021</a:t>
             </a:fld>
             <a:endParaRPr lang="pl-PL"/>
           </a:p>
@@ -7567,7 +7568,7 @@
           <a:p>
             <a:fld id="{844F4C65-81A9-4BCE-8E42-0A35E075B4F9}" type="datetimeFigureOut">
               <a:rPr lang="pl-PL" smtClean="0"/>
-              <a:t>27-04-2021</a:t>
+              <a:t>28.04.2021</a:t>
             </a:fld>
             <a:endParaRPr lang="pl-PL"/>
           </a:p>
@@ -8248,7 +8249,7 @@
           <a:p>
             <a:fld id="{844F4C65-81A9-4BCE-8E42-0A35E075B4F9}" type="datetimeFigureOut">
               <a:rPr lang="pl-PL" smtClean="0"/>
-              <a:t>27-04-2021</a:t>
+              <a:t>28.04.2021</a:t>
             </a:fld>
             <a:endParaRPr lang="pl-PL"/>
           </a:p>
@@ -9161,7 +9162,7 @@
           <a:p>
             <a:fld id="{844F4C65-81A9-4BCE-8E42-0A35E075B4F9}" type="datetimeFigureOut">
               <a:rPr lang="pl-PL" smtClean="0"/>
-              <a:t>27-04-2021</a:t>
+              <a:t>28.04.2021</a:t>
             </a:fld>
             <a:endParaRPr lang="pl-PL"/>
           </a:p>
@@ -9474,7 +9475,7 @@
           <a:p>
             <a:fld id="{844F4C65-81A9-4BCE-8E42-0A35E075B4F9}" type="datetimeFigureOut">
               <a:rPr lang="pl-PL" smtClean="0"/>
-              <a:t>27-04-2021</a:t>
+              <a:t>28.04.2021</a:t>
             </a:fld>
             <a:endParaRPr lang="pl-PL"/>
           </a:p>
@@ -9738,7 +9739,7 @@
           <a:p>
             <a:fld id="{844F4C65-81A9-4BCE-8E42-0A35E075B4F9}" type="datetimeFigureOut">
               <a:rPr lang="pl-PL" smtClean="0"/>
-              <a:t>27-04-2021</a:t>
+              <a:t>28.04.2021</a:t>
             </a:fld>
             <a:endParaRPr lang="pl-PL"/>
           </a:p>
@@ -10061,7 +10062,7 @@
           <a:p>
             <a:fld id="{844F4C65-81A9-4BCE-8E42-0A35E075B4F9}" type="datetimeFigureOut">
               <a:rPr lang="pl-PL" smtClean="0"/>
-              <a:t>27-04-2021</a:t>
+              <a:t>28.04.2021</a:t>
             </a:fld>
             <a:endParaRPr lang="pl-PL"/>
           </a:p>
@@ -10450,7 +10451,7 @@
           <a:p>
             <a:fld id="{844F4C65-81A9-4BCE-8E42-0A35E075B4F9}" type="datetimeFigureOut">
               <a:rPr lang="pl-PL" smtClean="0"/>
-              <a:t>27-04-2021</a:t>
+              <a:t>28.04.2021</a:t>
             </a:fld>
             <a:endParaRPr lang="pl-PL"/>
           </a:p>
@@ -10826,7 +10827,7 @@
           <a:p>
             <a:fld id="{844F4C65-81A9-4BCE-8E42-0A35E075B4F9}" type="datetimeFigureOut">
               <a:rPr lang="pl-PL" smtClean="0"/>
-              <a:t>27-04-2021</a:t>
+              <a:t>28.04.2021</a:t>
             </a:fld>
             <a:endParaRPr lang="pl-PL"/>
           </a:p>
@@ -11332,7 +11333,7 @@
           <a:p>
             <a:fld id="{844F4C65-81A9-4BCE-8E42-0A35E075B4F9}" type="datetimeFigureOut">
               <a:rPr lang="pl-PL" smtClean="0"/>
-              <a:t>27-04-2021</a:t>
+              <a:t>28.04.2021</a:t>
             </a:fld>
             <a:endParaRPr lang="pl-PL"/>
           </a:p>
@@ -11589,7 +11590,7 @@
           <a:p>
             <a:fld id="{844F4C65-81A9-4BCE-8E42-0A35E075B4F9}" type="datetimeFigureOut">
               <a:rPr lang="pl-PL" smtClean="0"/>
-              <a:t>27-04-2021</a:t>
+              <a:t>28.04.2021</a:t>
             </a:fld>
             <a:endParaRPr lang="pl-PL"/>
           </a:p>
@@ -11752,7 +11753,7 @@
           <a:p>
             <a:fld id="{844F4C65-81A9-4BCE-8E42-0A35E075B4F9}" type="datetimeFigureOut">
               <a:rPr lang="pl-PL" smtClean="0"/>
-              <a:t>27-04-2021</a:t>
+              <a:t>28.04.2021</a:t>
             </a:fld>
             <a:endParaRPr lang="pl-PL"/>
           </a:p>
@@ -12142,7 +12143,7 @@
           <a:p>
             <a:fld id="{844F4C65-81A9-4BCE-8E42-0A35E075B4F9}" type="datetimeFigureOut">
               <a:rPr lang="pl-PL" smtClean="0"/>
-              <a:t>27-04-2021</a:t>
+              <a:t>28.04.2021</a:t>
             </a:fld>
             <a:endParaRPr lang="pl-PL"/>
           </a:p>
@@ -12551,7 +12552,7 @@
           <a:p>
             <a:fld id="{844F4C65-81A9-4BCE-8E42-0A35E075B4F9}" type="datetimeFigureOut">
               <a:rPr lang="pl-PL" smtClean="0"/>
-              <a:t>27-04-2021</a:t>
+              <a:t>28.04.2021</a:t>
             </a:fld>
             <a:endParaRPr lang="pl-PL"/>
           </a:p>
@@ -12795,7 +12796,7 @@
           <a:p>
             <a:fld id="{844F4C65-81A9-4BCE-8E42-0A35E075B4F9}" type="datetimeFigureOut">
               <a:rPr lang="pl-PL" smtClean="0"/>
-              <a:t>27-04-2021</a:t>
+              <a:t>28.04.2021</a:t>
             </a:fld>
             <a:endParaRPr lang="pl-PL"/>
           </a:p>
@@ -16616,8 +16617,8 @@
           <a:lstStyle/>
           <a:p>
             <a:r>
-              <a:rPr lang="pl-PL"/>
-              <a:t>W naszym projekcie wykorzystujemy architekturę dwuwarstwową klient-serwer.</a:t>
+              <a:rPr lang="pl-PL" dirty="0"/>
+              <a:t>Wykorzystujemy architekturę dwuwarstwową klient-serwer.</a:t>
             </a:r>
           </a:p>
         </p:txBody>
@@ -17171,6 +17172,94 @@
 </file>
 
 <file path=ppt/slides/slide20.xml><?xml version="1.0" encoding="utf-8"?>
+<p:sld xmlns:a="http://schemas.openxmlformats.org/drawingml/2006/main" xmlns:r="http://schemas.openxmlformats.org/officeDocument/2006/relationships" xmlns:p="http://schemas.openxmlformats.org/presentationml/2006/main">
+  <p:cSld>
+    <p:spTree>
+      <p:nvGrpSpPr>
+        <p:cNvPr id="1" name=""/>
+        <p:cNvGrpSpPr/>
+        <p:nvPr/>
+      </p:nvGrpSpPr>
+      <p:grpSpPr>
+        <a:xfrm>
+          <a:off x="0" y="0"/>
+          <a:ext cx="0" cy="0"/>
+          <a:chOff x="0" y="0"/>
+          <a:chExt cx="0" cy="0"/>
+        </a:xfrm>
+      </p:grpSpPr>
+      <p:sp>
+        <p:nvSpPr>
+          <p:cNvPr id="2" name="Tytuł 1">
+            <a:extLst>
+              <a:ext uri="{FF2B5EF4-FFF2-40B4-BE49-F238E27FC236}">
+                <a16:creationId xmlns:a16="http://schemas.microsoft.com/office/drawing/2014/main" id="{B795018C-1B5C-43C1-A348-A5D257DCE36A}"/>
+              </a:ext>
+            </a:extLst>
+          </p:cNvPr>
+          <p:cNvSpPr>
+            <a:spLocks noGrp="1"/>
+          </p:cNvSpPr>
+          <p:nvPr>
+            <p:ph type="title"/>
+          </p:nvPr>
+        </p:nvSpPr>
+        <p:spPr>
+          <a:xfrm>
+            <a:off x="2115831" y="3055593"/>
+            <a:ext cx="9613861" cy="1080938"/>
+          </a:xfrm>
+        </p:spPr>
+        <p:txBody>
+          <a:bodyPr/>
+          <a:lstStyle/>
+          <a:p>
+            <a:r>
+              <a:rPr lang="pl-PL" dirty="0"/>
+              <a:t>Algorytmy</a:t>
+            </a:r>
+          </a:p>
+        </p:txBody>
+      </p:sp>
+      <p:sp>
+        <p:nvSpPr>
+          <p:cNvPr id="3" name="Symbol zastępczy zawartości 2">
+            <a:extLst>
+              <a:ext uri="{FF2B5EF4-FFF2-40B4-BE49-F238E27FC236}">
+                <a16:creationId xmlns:a16="http://schemas.microsoft.com/office/drawing/2014/main" id="{BD9FBC38-CA02-4743-9A61-B416833ECEA6}"/>
+              </a:ext>
+            </a:extLst>
+          </p:cNvPr>
+          <p:cNvSpPr>
+            <a:spLocks noGrp="1"/>
+          </p:cNvSpPr>
+          <p:nvPr>
+            <p:ph idx="1"/>
+          </p:nvPr>
+        </p:nvSpPr>
+        <p:spPr/>
+        <p:txBody>
+          <a:bodyPr/>
+          <a:lstStyle/>
+          <a:p>
+            <a:endParaRPr lang="pl-PL" dirty="0"/>
+          </a:p>
+        </p:txBody>
+      </p:sp>
+    </p:spTree>
+    <p:extLst>
+      <p:ext uri="{BB962C8B-B14F-4D97-AF65-F5344CB8AC3E}">
+        <p14:creationId xmlns:p14="http://schemas.microsoft.com/office/powerpoint/2010/main" val="3570808800"/>
+      </p:ext>
+    </p:extLst>
+  </p:cSld>
+  <p:clrMapOvr>
+    <a:masterClrMapping/>
+  </p:clrMapOvr>
+</p:sld>
+</file>
+
+<file path=ppt/slides/slide21.xml><?xml version="1.0" encoding="utf-8"?>
 <p:sld xmlns:a="http://schemas.openxmlformats.org/drawingml/2006/main" xmlns:r="http://schemas.openxmlformats.org/officeDocument/2006/relationships" xmlns:p="http://schemas.openxmlformats.org/presentationml/2006/main">
   <p:cSld>
     <p:spTree>
@@ -17299,7 +17388,7 @@
 </p:sld>
 </file>
 
-<file path=ppt/slides/slide21.xml><?xml version="1.0" encoding="utf-8"?>
+<file path=ppt/slides/slide22.xml><?xml version="1.0" encoding="utf-8"?>
 <p:sld xmlns:a="http://schemas.openxmlformats.org/drawingml/2006/main" xmlns:r="http://schemas.openxmlformats.org/officeDocument/2006/relationships" xmlns:p="http://schemas.openxmlformats.org/presentationml/2006/main">
   <p:cSld>
     <p:spTree>
@@ -17487,7 +17576,7 @@
 </p:sld>
 </file>
 
-<file path=ppt/slides/slide22.xml><?xml version="1.0" encoding="utf-8"?>
+<file path=ppt/slides/slide23.xml><?xml version="1.0" encoding="utf-8"?>
 <p:sld xmlns:a="http://schemas.openxmlformats.org/drawingml/2006/main" xmlns:r="http://schemas.openxmlformats.org/officeDocument/2006/relationships" xmlns:p="http://schemas.openxmlformats.org/presentationml/2006/main">
   <p:cSld>
     <p:spTree>
@@ -17616,7 +17705,7 @@
 </p:sld>
 </file>
 
-<file path=ppt/slides/slide23.xml><?xml version="1.0" encoding="utf-8"?>
+<file path=ppt/slides/slide24.xml><?xml version="1.0" encoding="utf-8"?>
 <p:sld xmlns:a="http://schemas.openxmlformats.org/drawingml/2006/main" xmlns:r="http://schemas.openxmlformats.org/officeDocument/2006/relationships" xmlns:p="http://schemas.openxmlformats.org/presentationml/2006/main">
   <p:cSld>
     <p:spTree>
@@ -17804,7 +17893,7 @@
 </p:sld>
 </file>
 
-<file path=ppt/slides/slide24.xml><?xml version="1.0" encoding="utf-8"?>
+<file path=ppt/slides/slide25.xml><?xml version="1.0" encoding="utf-8"?>
 <p:sld xmlns:a="http://schemas.openxmlformats.org/drawingml/2006/main" xmlns:r="http://schemas.openxmlformats.org/officeDocument/2006/relationships" xmlns:p="http://schemas.openxmlformats.org/presentationml/2006/main">
   <p:cSld>
     <p:spTree>
@@ -17892,7 +17981,7 @@
 </p:sld>
 </file>
 
-<file path=ppt/slides/slide25.xml><?xml version="1.0" encoding="utf-8"?>
+<file path=ppt/slides/slide26.xml><?xml version="1.0" encoding="utf-8"?>
 <p:sld xmlns:a="http://schemas.openxmlformats.org/drawingml/2006/main" xmlns:r="http://schemas.openxmlformats.org/officeDocument/2006/relationships" xmlns:p="http://schemas.openxmlformats.org/presentationml/2006/main">
   <p:cSld>
     <p:spTree>
@@ -17980,7 +18069,7 @@
 </p:sld>
 </file>
 
-<file path=ppt/slides/slide26.xml><?xml version="1.0" encoding="utf-8"?>
+<file path=ppt/slides/slide27.xml><?xml version="1.0" encoding="utf-8"?>
 <p:sld xmlns:a="http://schemas.openxmlformats.org/drawingml/2006/main" xmlns:r="http://schemas.openxmlformats.org/officeDocument/2006/relationships" xmlns:p="http://schemas.openxmlformats.org/presentationml/2006/main">
   <p:cSld>
     <p:spTree>
@@ -18068,7 +18157,7 @@
 </p:sld>
 </file>
 
-<file path=ppt/slides/slide27.xml><?xml version="1.0" encoding="utf-8"?>
+<file path=ppt/slides/slide28.xml><?xml version="1.0" encoding="utf-8"?>
 <p:sld xmlns:a="http://schemas.openxmlformats.org/drawingml/2006/main" xmlns:r="http://schemas.openxmlformats.org/officeDocument/2006/relationships" xmlns:p="http://schemas.openxmlformats.org/presentationml/2006/main">
   <p:cSld>
     <p:spTree>
@@ -18156,7 +18245,7 @@
 </p:sld>
 </file>
 
-<file path=ppt/slides/slide28.xml><?xml version="1.0" encoding="utf-8"?>
+<file path=ppt/slides/slide29.xml><?xml version="1.0" encoding="utf-8"?>
 <p:sld xmlns:a="http://schemas.openxmlformats.org/drawingml/2006/main" xmlns:r="http://schemas.openxmlformats.org/officeDocument/2006/relationships" xmlns:p="http://schemas.openxmlformats.org/presentationml/2006/main">
   <p:cSld>
     <p:spTree>
@@ -18244,7 +18333,131 @@
 </p:sld>
 </file>
 
-<file path=ppt/slides/slide29.xml><?xml version="1.0" encoding="utf-8"?>
+<file path=ppt/slides/slide3.xml><?xml version="1.0" encoding="utf-8"?>
+<p:sld xmlns:a="http://schemas.openxmlformats.org/drawingml/2006/main" xmlns:r="http://schemas.openxmlformats.org/officeDocument/2006/relationships" xmlns:p="http://schemas.openxmlformats.org/presentationml/2006/main" show="0">
+  <p:cSld>
+    <p:spTree>
+      <p:nvGrpSpPr>
+        <p:cNvPr id="1" name=""/>
+        <p:cNvGrpSpPr/>
+        <p:nvPr/>
+      </p:nvGrpSpPr>
+      <p:grpSpPr>
+        <a:xfrm>
+          <a:off x="0" y="0"/>
+          <a:ext cx="0" cy="0"/>
+          <a:chOff x="0" y="0"/>
+          <a:chExt cx="0" cy="0"/>
+        </a:xfrm>
+      </p:grpSpPr>
+      <p:sp>
+        <p:nvSpPr>
+          <p:cNvPr id="2" name="Tytuł 1">
+            <a:extLst>
+              <a:ext uri="{FF2B5EF4-FFF2-40B4-BE49-F238E27FC236}">
+                <a16:creationId xmlns:a16="http://schemas.microsoft.com/office/drawing/2014/main" id="{D5B77372-D8E3-48EE-A895-C7FED7C0C32C}"/>
+              </a:ext>
+            </a:extLst>
+          </p:cNvPr>
+          <p:cNvSpPr>
+            <a:spLocks noGrp="1"/>
+          </p:cNvSpPr>
+          <p:nvPr>
+            <p:ph type="title"/>
+          </p:nvPr>
+        </p:nvSpPr>
+        <p:spPr/>
+        <p:txBody>
+          <a:bodyPr/>
+          <a:lstStyle/>
+          <a:p>
+            <a:r>
+              <a:rPr lang="pl-PL" dirty="0"/>
+              <a:t>Cele przedsiębiorstwa :</a:t>
+            </a:r>
+          </a:p>
+        </p:txBody>
+      </p:sp>
+      <p:sp>
+        <p:nvSpPr>
+          <p:cNvPr id="3" name="Symbol zastępczy zawartości 2">
+            <a:extLst>
+              <a:ext uri="{FF2B5EF4-FFF2-40B4-BE49-F238E27FC236}">
+                <a16:creationId xmlns:a16="http://schemas.microsoft.com/office/drawing/2014/main" id="{25D05DB1-613F-4888-892D-647FB35E7E3A}"/>
+              </a:ext>
+            </a:extLst>
+          </p:cNvPr>
+          <p:cNvSpPr>
+            <a:spLocks noGrp="1"/>
+          </p:cNvSpPr>
+          <p:nvPr>
+            <p:ph idx="1"/>
+          </p:nvPr>
+        </p:nvSpPr>
+        <p:spPr>
+          <a:xfrm>
+            <a:off x="1074821" y="2248782"/>
+            <a:ext cx="9613861" cy="3599316"/>
+          </a:xfrm>
+        </p:spPr>
+        <p:txBody>
+          <a:bodyPr/>
+          <a:lstStyle/>
+          <a:p>
+            <a:r>
+              <a:rPr lang="pl-PL" dirty="0"/>
+              <a:t>Maksymalizacja zysków przedsiębiorstwa.</a:t>
+            </a:r>
+          </a:p>
+          <a:p>
+            <a:r>
+              <a:rPr lang="pl-PL" dirty="0"/>
+              <a:t>Maksymalizacja sprzedaży.</a:t>
+            </a:r>
+          </a:p>
+          <a:p>
+            <a:r>
+              <a:rPr lang="pl-PL" dirty="0"/>
+              <a:t>Zwiększenie stanu materialnego pracowników.</a:t>
+            </a:r>
+          </a:p>
+          <a:p>
+            <a:r>
+              <a:rPr lang="pl-PL" dirty="0"/>
+              <a:t>Dostarczenie produktu zgodnego z wymaganiami.</a:t>
+            </a:r>
+          </a:p>
+          <a:p>
+            <a:r>
+              <a:rPr lang="pl-PL" dirty="0"/>
+              <a:t>Zwiększenie konkurencyjności na rynku.</a:t>
+            </a:r>
+          </a:p>
+          <a:p>
+            <a:r>
+              <a:rPr lang="pl-PL" dirty="0"/>
+              <a:t>Przygotowanie funkcjonalnego systemu wspomagania zarządzania.</a:t>
+            </a:r>
+          </a:p>
+          <a:p>
+            <a:endParaRPr lang="pl-PL" dirty="0"/>
+          </a:p>
+        </p:txBody>
+      </p:sp>
+    </p:spTree>
+    <p:extLst>
+      <p:ext uri="{BB962C8B-B14F-4D97-AF65-F5344CB8AC3E}">
+        <p14:creationId xmlns:p14="http://schemas.microsoft.com/office/powerpoint/2010/main" val="1577202253"/>
+      </p:ext>
+    </p:extLst>
+  </p:cSld>
+  <p:clrMapOvr>
+    <a:masterClrMapping/>
+  </p:clrMapOvr>
+</p:sld>
+</file>
+
+<file path=ppt/slides/slide30.xml><?xml version="1.0" encoding="utf-8"?>
 <p:sld xmlns:a="http://schemas.openxmlformats.org/drawingml/2006/main" xmlns:r="http://schemas.openxmlformats.org/officeDocument/2006/relationships" xmlns:p="http://schemas.openxmlformats.org/presentationml/2006/main">
   <p:cSld>
     <p:spTree>
@@ -18332,131 +18545,7 @@
 </p:sld>
 </file>
 
-<file path=ppt/slides/slide3.xml><?xml version="1.0" encoding="utf-8"?>
-<p:sld xmlns:a="http://schemas.openxmlformats.org/drawingml/2006/main" xmlns:r="http://schemas.openxmlformats.org/officeDocument/2006/relationships" xmlns:p="http://schemas.openxmlformats.org/presentationml/2006/main" show="0">
-  <p:cSld>
-    <p:spTree>
-      <p:nvGrpSpPr>
-        <p:cNvPr id="1" name=""/>
-        <p:cNvGrpSpPr/>
-        <p:nvPr/>
-      </p:nvGrpSpPr>
-      <p:grpSpPr>
-        <a:xfrm>
-          <a:off x="0" y="0"/>
-          <a:ext cx="0" cy="0"/>
-          <a:chOff x="0" y="0"/>
-          <a:chExt cx="0" cy="0"/>
-        </a:xfrm>
-      </p:grpSpPr>
-      <p:sp>
-        <p:nvSpPr>
-          <p:cNvPr id="2" name="Tytuł 1">
-            <a:extLst>
-              <a:ext uri="{FF2B5EF4-FFF2-40B4-BE49-F238E27FC236}">
-                <a16:creationId xmlns:a16="http://schemas.microsoft.com/office/drawing/2014/main" id="{D5B77372-D8E3-48EE-A895-C7FED7C0C32C}"/>
-              </a:ext>
-            </a:extLst>
-          </p:cNvPr>
-          <p:cNvSpPr>
-            <a:spLocks noGrp="1"/>
-          </p:cNvSpPr>
-          <p:nvPr>
-            <p:ph type="title"/>
-          </p:nvPr>
-        </p:nvSpPr>
-        <p:spPr/>
-        <p:txBody>
-          <a:bodyPr/>
-          <a:lstStyle/>
-          <a:p>
-            <a:r>
-              <a:rPr lang="pl-PL" dirty="0"/>
-              <a:t>Cele przedsiębiorstwa :</a:t>
-            </a:r>
-          </a:p>
-        </p:txBody>
-      </p:sp>
-      <p:sp>
-        <p:nvSpPr>
-          <p:cNvPr id="3" name="Symbol zastępczy zawartości 2">
-            <a:extLst>
-              <a:ext uri="{FF2B5EF4-FFF2-40B4-BE49-F238E27FC236}">
-                <a16:creationId xmlns:a16="http://schemas.microsoft.com/office/drawing/2014/main" id="{25D05DB1-613F-4888-892D-647FB35E7E3A}"/>
-              </a:ext>
-            </a:extLst>
-          </p:cNvPr>
-          <p:cNvSpPr>
-            <a:spLocks noGrp="1"/>
-          </p:cNvSpPr>
-          <p:nvPr>
-            <p:ph idx="1"/>
-          </p:nvPr>
-        </p:nvSpPr>
-        <p:spPr>
-          <a:xfrm>
-            <a:off x="1074821" y="2248782"/>
-            <a:ext cx="9613861" cy="3599316"/>
-          </a:xfrm>
-        </p:spPr>
-        <p:txBody>
-          <a:bodyPr/>
-          <a:lstStyle/>
-          <a:p>
-            <a:r>
-              <a:rPr lang="pl-PL" dirty="0"/>
-              <a:t>Maksymalizacja zysków przedsiębiorstwa.</a:t>
-            </a:r>
-          </a:p>
-          <a:p>
-            <a:r>
-              <a:rPr lang="pl-PL" dirty="0"/>
-              <a:t>Maksymalizacja sprzedaży.</a:t>
-            </a:r>
-          </a:p>
-          <a:p>
-            <a:r>
-              <a:rPr lang="pl-PL" dirty="0"/>
-              <a:t>Zwiększenie stanu materialnego pracowników.</a:t>
-            </a:r>
-          </a:p>
-          <a:p>
-            <a:r>
-              <a:rPr lang="pl-PL" dirty="0"/>
-              <a:t>Dostarczenie produktu zgodnego z wymaganiami.</a:t>
-            </a:r>
-          </a:p>
-          <a:p>
-            <a:r>
-              <a:rPr lang="pl-PL" dirty="0"/>
-              <a:t>Zwiększenie konkurencyjności na rynku.</a:t>
-            </a:r>
-          </a:p>
-          <a:p>
-            <a:r>
-              <a:rPr lang="pl-PL" dirty="0"/>
-              <a:t>Przygotowanie funkcjonalnego systemu wspomagania zarządzania.</a:t>
-            </a:r>
-          </a:p>
-          <a:p>
-            <a:endParaRPr lang="pl-PL" dirty="0"/>
-          </a:p>
-        </p:txBody>
-      </p:sp>
-    </p:spTree>
-    <p:extLst>
-      <p:ext uri="{BB962C8B-B14F-4D97-AF65-F5344CB8AC3E}">
-        <p14:creationId xmlns:p14="http://schemas.microsoft.com/office/powerpoint/2010/main" val="1577202253"/>
-      </p:ext>
-    </p:extLst>
-  </p:cSld>
-  <p:clrMapOvr>
-    <a:masterClrMapping/>
-  </p:clrMapOvr>
-</p:sld>
-</file>
-
-<file path=ppt/slides/slide30.xml><?xml version="1.0" encoding="utf-8"?>
+<file path=ppt/slides/slide31.xml><?xml version="1.0" encoding="utf-8"?>
 <p:sld xmlns:a="http://schemas.openxmlformats.org/drawingml/2006/main" xmlns:r="http://schemas.openxmlformats.org/officeDocument/2006/relationships" xmlns:p="http://schemas.openxmlformats.org/presentationml/2006/main">
   <p:cSld>
     <p:spTree>
